--- a/trunk/stm/documents/EWRI_2011/Format&Figures/bug_in_AR_bidirectional.pptx
+++ b/trunk/stm/documents/EWRI_2011/Format&Figures/bug_in_AR_bidirectional.pptx
@@ -289,7 +289,7 @@
             <a:fld id="{1D8BD707-D9CF-40AE-B4C6-C98DA3205C09}" type="datetimeFigureOut">
               <a:rPr lang="en-US" smtClean="0"/>
               <a:pPr/>
-              <a:t>1/11/2011</a:t>
+              <a:t>1/19/2011</a:t>
             </a:fld>
             <a:endParaRPr lang="en-US" dirty="0"/>
           </a:p>
@@ -456,7 +456,7 @@
             <a:fld id="{1D8BD707-D9CF-40AE-B4C6-C98DA3205C09}" type="datetimeFigureOut">
               <a:rPr lang="en-US" smtClean="0"/>
               <a:pPr/>
-              <a:t>1/11/2011</a:t>
+              <a:t>1/19/2011</a:t>
             </a:fld>
             <a:endParaRPr lang="en-US" dirty="0"/>
           </a:p>
@@ -633,7 +633,7 @@
             <a:fld id="{1D8BD707-D9CF-40AE-B4C6-C98DA3205C09}" type="datetimeFigureOut">
               <a:rPr lang="en-US" smtClean="0"/>
               <a:pPr/>
-              <a:t>1/11/2011</a:t>
+              <a:t>1/19/2011</a:t>
             </a:fld>
             <a:endParaRPr lang="en-US" dirty="0"/>
           </a:p>
@@ -800,7 +800,7 @@
             <a:fld id="{1D8BD707-D9CF-40AE-B4C6-C98DA3205C09}" type="datetimeFigureOut">
               <a:rPr lang="en-US" smtClean="0"/>
               <a:pPr/>
-              <a:t>1/11/2011</a:t>
+              <a:t>1/19/2011</a:t>
             </a:fld>
             <a:endParaRPr lang="en-US" dirty="0"/>
           </a:p>
@@ -1043,7 +1043,7 @@
             <a:fld id="{1D8BD707-D9CF-40AE-B4C6-C98DA3205C09}" type="datetimeFigureOut">
               <a:rPr lang="en-US" smtClean="0"/>
               <a:pPr/>
-              <a:t>1/11/2011</a:t>
+              <a:t>1/19/2011</a:t>
             </a:fld>
             <a:endParaRPr lang="en-US" dirty="0"/>
           </a:p>
@@ -1328,7 +1328,7 @@
             <a:fld id="{1D8BD707-D9CF-40AE-B4C6-C98DA3205C09}" type="datetimeFigureOut">
               <a:rPr lang="en-US" smtClean="0"/>
               <a:pPr/>
-              <a:t>1/11/2011</a:t>
+              <a:t>1/19/2011</a:t>
             </a:fld>
             <a:endParaRPr lang="en-US" dirty="0"/>
           </a:p>
@@ -1747,7 +1747,7 @@
             <a:fld id="{1D8BD707-D9CF-40AE-B4C6-C98DA3205C09}" type="datetimeFigureOut">
               <a:rPr lang="en-US" smtClean="0"/>
               <a:pPr/>
-              <a:t>1/11/2011</a:t>
+              <a:t>1/19/2011</a:t>
             </a:fld>
             <a:endParaRPr lang="en-US" dirty="0"/>
           </a:p>
@@ -1862,7 +1862,7 @@
             <a:fld id="{1D8BD707-D9CF-40AE-B4C6-C98DA3205C09}" type="datetimeFigureOut">
               <a:rPr lang="en-US" smtClean="0"/>
               <a:pPr/>
-              <a:t>1/11/2011</a:t>
+              <a:t>1/19/2011</a:t>
             </a:fld>
             <a:endParaRPr lang="en-US" dirty="0"/>
           </a:p>
@@ -1954,7 +1954,7 @@
             <a:fld id="{1D8BD707-D9CF-40AE-B4C6-C98DA3205C09}" type="datetimeFigureOut">
               <a:rPr lang="en-US" smtClean="0"/>
               <a:pPr/>
-              <a:t>1/11/2011</a:t>
+              <a:t>1/19/2011</a:t>
             </a:fld>
             <a:endParaRPr lang="en-US" dirty="0"/>
           </a:p>
@@ -2228,7 +2228,7 @@
             <a:fld id="{1D8BD707-D9CF-40AE-B4C6-C98DA3205C09}" type="datetimeFigureOut">
               <a:rPr lang="en-US" smtClean="0"/>
               <a:pPr/>
-              <a:t>1/11/2011</a:t>
+              <a:t>1/19/2011</a:t>
             </a:fld>
             <a:endParaRPr lang="en-US" dirty="0"/>
           </a:p>
@@ -2478,7 +2478,7 @@
             <a:fld id="{1D8BD707-D9CF-40AE-B4C6-C98DA3205C09}" type="datetimeFigureOut">
               <a:rPr lang="en-US" smtClean="0"/>
               <a:pPr/>
-              <a:t>1/11/2011</a:t>
+              <a:t>1/19/2011</a:t>
             </a:fld>
             <a:endParaRPr lang="en-US" dirty="0"/>
           </a:p>
@@ -2688,7 +2688,7 @@
             <a:fld id="{1D8BD707-D9CF-40AE-B4C6-C98DA3205C09}" type="datetimeFigureOut">
               <a:rPr lang="en-US" smtClean="0"/>
               <a:pPr/>
-              <a:t>1/11/2011</a:t>
+              <a:t>1/19/2011</a:t>
             </a:fld>
             <a:endParaRPr lang="en-US" dirty="0"/>
           </a:p>
@@ -3091,889 +3091,163 @@
       </p:sp>
       <p:grpSp>
         <p:nvGrpSpPr>
-          <p:cNvPr id="84" name="Group 83"/>
+          <p:cNvPr id="48" name="Group 47"/>
           <p:cNvGrpSpPr/>
           <p:nvPr/>
         </p:nvGrpSpPr>
         <p:grpSpPr>
           <a:xfrm>
-            <a:off x="640080" y="548640"/>
-            <a:ext cx="5995050" cy="3767554"/>
+            <a:off x="1554480" y="548640"/>
+            <a:ext cx="5995844" cy="3824710"/>
             <a:chOff x="640080" y="548640"/>
-            <a:chExt cx="5995050" cy="3767554"/>
+            <a:chExt cx="5995844" cy="3824710"/>
           </a:xfrm>
         </p:grpSpPr>
-        <p:cxnSp>
-          <p:nvCxnSpPr>
-            <p:cNvPr id="5" name="Straight Arrow Connector 4"/>
-            <p:cNvCxnSpPr/>
-            <p:nvPr/>
-          </p:nvCxnSpPr>
-          <p:spPr>
-            <a:xfrm rot="16200000" flipV="1">
-              <a:off x="2071" y="1598129"/>
-              <a:ext cx="1829594" cy="4936"/>
-            </a:xfrm>
-            <a:prstGeom prst="straightConnector1">
-              <a:avLst/>
-            </a:prstGeom>
-            <a:ln>
-              <a:tailEnd type="arrow"/>
-            </a:ln>
-          </p:spPr>
-          <p:style>
-            <a:lnRef idx="1">
-              <a:schemeClr val="accent1"/>
-            </a:lnRef>
-            <a:fillRef idx="0">
-              <a:schemeClr val="accent1"/>
-            </a:fillRef>
-            <a:effectRef idx="0">
-              <a:schemeClr val="accent1"/>
-            </a:effectRef>
-            <a:fontRef idx="minor">
-              <a:schemeClr val="tx1"/>
-            </a:fontRef>
-          </p:style>
-        </p:cxnSp>
-        <p:cxnSp>
-          <p:nvCxnSpPr>
-            <p:cNvPr id="8" name="Straight Arrow Connector 7"/>
-            <p:cNvCxnSpPr/>
-            <p:nvPr/>
-          </p:nvCxnSpPr>
-          <p:spPr>
-            <a:xfrm>
-              <a:off x="920130" y="2514600"/>
-              <a:ext cx="5715000" cy="1588"/>
-            </a:xfrm>
-            <a:prstGeom prst="straightConnector1">
-              <a:avLst/>
-            </a:prstGeom>
-            <a:ln>
-              <a:tailEnd type="arrow"/>
-            </a:ln>
-          </p:spPr>
-          <p:style>
-            <a:lnRef idx="1">
-              <a:schemeClr val="accent1"/>
-            </a:lnRef>
-            <a:fillRef idx="0">
-              <a:schemeClr val="accent1"/>
-            </a:fillRef>
-            <a:effectRef idx="0">
-              <a:schemeClr val="accent1"/>
-            </a:effectRef>
-            <a:fontRef idx="minor">
-              <a:schemeClr val="tx1"/>
-            </a:fontRef>
-          </p:style>
-        </p:cxnSp>
-        <p:sp>
-          <p:nvSpPr>
-            <p:cNvPr id="13" name="Freeform 12"/>
-            <p:cNvSpPr/>
-            <p:nvPr/>
-          </p:nvSpPr>
-          <p:spPr>
-            <a:xfrm>
-              <a:off x="920130" y="868680"/>
-              <a:ext cx="1005840" cy="1645921"/>
-            </a:xfrm>
-            <a:custGeom>
-              <a:avLst/>
-              <a:gdLst>
-                <a:gd name="connsiteX0" fmla="*/ 0 w 1841500"/>
-                <a:gd name="connsiteY0" fmla="*/ 922867 h 935567"/>
-                <a:gd name="connsiteX1" fmla="*/ 914400 w 1841500"/>
-                <a:gd name="connsiteY1" fmla="*/ 2117 h 935567"/>
-                <a:gd name="connsiteX2" fmla="*/ 1841500 w 1841500"/>
-                <a:gd name="connsiteY2" fmla="*/ 935567 h 935567"/>
-              </a:gdLst>
-              <a:ahLst/>
-              <a:cxnLst>
-                <a:cxn ang="0">
-                  <a:pos x="connsiteX0" y="connsiteY0"/>
-                </a:cxn>
-                <a:cxn ang="0">
-                  <a:pos x="connsiteX1" y="connsiteY1"/>
-                </a:cxn>
-                <a:cxn ang="0">
-                  <a:pos x="connsiteX2" y="connsiteY2"/>
-                </a:cxn>
-              </a:cxnLst>
-              <a:rect l="l" t="t" r="r" b="b"/>
-              <a:pathLst>
-                <a:path w="1841500" h="935567">
-                  <a:moveTo>
-                    <a:pt x="0" y="922867"/>
-                  </a:moveTo>
-                  <a:cubicBezTo>
-                    <a:pt x="303741" y="461433"/>
-                    <a:pt x="607483" y="0"/>
-                    <a:pt x="914400" y="2117"/>
-                  </a:cubicBezTo>
-                  <a:cubicBezTo>
-                    <a:pt x="1221317" y="4234"/>
-                    <a:pt x="1670050" y="719667"/>
-                    <a:pt x="1841500" y="935567"/>
-                  </a:cubicBezTo>
-                </a:path>
-              </a:pathLst>
-            </a:custGeom>
-          </p:spPr>
-          <p:style>
-            <a:lnRef idx="1">
-              <a:schemeClr val="accent1"/>
-            </a:lnRef>
-            <a:fillRef idx="0">
-              <a:schemeClr val="accent1"/>
-            </a:fillRef>
-            <a:effectRef idx="0">
-              <a:schemeClr val="accent1"/>
-            </a:effectRef>
-            <a:fontRef idx="minor">
-              <a:schemeClr val="tx1"/>
-            </a:fontRef>
-          </p:style>
-          <p:txBody>
-            <a:bodyPr rtlCol="0" anchor="ctr"/>
-            <a:lstStyle/>
-            <a:p>
-              <a:pPr algn="ctr"/>
-              <a:endParaRPr lang="en-US"/>
-            </a:p>
-          </p:txBody>
-        </p:sp>
-        <p:sp>
-          <p:nvSpPr>
-            <p:cNvPr id="14" name="Freeform 13"/>
-            <p:cNvSpPr/>
-            <p:nvPr/>
-          </p:nvSpPr>
-          <p:spPr>
-            <a:xfrm>
-              <a:off x="3297570" y="1280160"/>
-              <a:ext cx="1005840" cy="1234440"/>
-            </a:xfrm>
-            <a:custGeom>
-              <a:avLst/>
-              <a:gdLst>
-                <a:gd name="connsiteX0" fmla="*/ 0 w 1841500"/>
-                <a:gd name="connsiteY0" fmla="*/ 922867 h 935567"/>
-                <a:gd name="connsiteX1" fmla="*/ 914400 w 1841500"/>
-                <a:gd name="connsiteY1" fmla="*/ 2117 h 935567"/>
-                <a:gd name="connsiteX2" fmla="*/ 1841500 w 1841500"/>
-                <a:gd name="connsiteY2" fmla="*/ 935567 h 935567"/>
-              </a:gdLst>
-              <a:ahLst/>
-              <a:cxnLst>
-                <a:cxn ang="0">
-                  <a:pos x="connsiteX0" y="connsiteY0"/>
-                </a:cxn>
-                <a:cxn ang="0">
-                  <a:pos x="connsiteX1" y="connsiteY1"/>
-                </a:cxn>
-                <a:cxn ang="0">
-                  <a:pos x="connsiteX2" y="connsiteY2"/>
-                </a:cxn>
-              </a:cxnLst>
-              <a:rect l="l" t="t" r="r" b="b"/>
-              <a:pathLst>
-                <a:path w="1841500" h="935567">
-                  <a:moveTo>
-                    <a:pt x="0" y="922867"/>
-                  </a:moveTo>
-                  <a:cubicBezTo>
-                    <a:pt x="303741" y="461433"/>
-                    <a:pt x="607483" y="0"/>
-                    <a:pt x="914400" y="2117"/>
-                  </a:cubicBezTo>
-                  <a:cubicBezTo>
-                    <a:pt x="1221317" y="4234"/>
-                    <a:pt x="1670050" y="719667"/>
-                    <a:pt x="1841500" y="935567"/>
-                  </a:cubicBezTo>
-                </a:path>
-              </a:pathLst>
-            </a:custGeom>
-            <a:ln w="12700">
-              <a:solidFill>
-                <a:schemeClr val="tx1">
-                  <a:lumMod val="95000"/>
-                  <a:lumOff val="5000"/>
-                </a:schemeClr>
-              </a:solidFill>
-              <a:prstDash val="dash"/>
-            </a:ln>
-          </p:spPr>
-          <p:style>
-            <a:lnRef idx="1">
-              <a:schemeClr val="accent1"/>
-            </a:lnRef>
-            <a:fillRef idx="0">
-              <a:schemeClr val="accent1"/>
-            </a:fillRef>
-            <a:effectRef idx="0">
-              <a:schemeClr val="accent1"/>
-            </a:effectRef>
-            <a:fontRef idx="minor">
-              <a:schemeClr val="tx1"/>
-            </a:fontRef>
-          </p:style>
-          <p:txBody>
-            <a:bodyPr rtlCol="0" anchor="ctr"/>
-            <a:lstStyle/>
-            <a:p>
-              <a:pPr algn="ctr"/>
-              <a:endParaRPr lang="en-US"/>
-            </a:p>
-          </p:txBody>
-        </p:sp>
-        <p:sp>
-          <p:nvSpPr>
-            <p:cNvPr id="15" name="Freeform 14"/>
-            <p:cNvSpPr/>
-            <p:nvPr/>
-          </p:nvSpPr>
-          <p:spPr>
-            <a:xfrm>
-              <a:off x="2794650" y="1280160"/>
-              <a:ext cx="1005840" cy="1234440"/>
-            </a:xfrm>
-            <a:custGeom>
-              <a:avLst/>
-              <a:gdLst>
-                <a:gd name="connsiteX0" fmla="*/ 0 w 1841500"/>
-                <a:gd name="connsiteY0" fmla="*/ 922867 h 935567"/>
-                <a:gd name="connsiteX1" fmla="*/ 914400 w 1841500"/>
-                <a:gd name="connsiteY1" fmla="*/ 2117 h 935567"/>
-                <a:gd name="connsiteX2" fmla="*/ 1841500 w 1841500"/>
-                <a:gd name="connsiteY2" fmla="*/ 935567 h 935567"/>
-              </a:gdLst>
-              <a:ahLst/>
-              <a:cxnLst>
-                <a:cxn ang="0">
-                  <a:pos x="connsiteX0" y="connsiteY0"/>
-                </a:cxn>
-                <a:cxn ang="0">
-                  <a:pos x="connsiteX1" y="connsiteY1"/>
-                </a:cxn>
-                <a:cxn ang="0">
-                  <a:pos x="connsiteX2" y="connsiteY2"/>
-                </a:cxn>
-              </a:cxnLst>
-              <a:rect l="l" t="t" r="r" b="b"/>
-              <a:pathLst>
-                <a:path w="1841500" h="935567">
-                  <a:moveTo>
-                    <a:pt x="0" y="922867"/>
-                  </a:moveTo>
-                  <a:cubicBezTo>
-                    <a:pt x="303741" y="461433"/>
-                    <a:pt x="607483" y="0"/>
-                    <a:pt x="914400" y="2117"/>
-                  </a:cubicBezTo>
-                  <a:cubicBezTo>
-                    <a:pt x="1221317" y="4234"/>
-                    <a:pt x="1670050" y="719667"/>
-                    <a:pt x="1841500" y="935567"/>
-                  </a:cubicBezTo>
-                </a:path>
-              </a:pathLst>
-            </a:custGeom>
-          </p:spPr>
-          <p:style>
-            <a:lnRef idx="1">
-              <a:schemeClr val="accent1"/>
-            </a:lnRef>
-            <a:fillRef idx="0">
-              <a:schemeClr val="accent1"/>
-            </a:fillRef>
-            <a:effectRef idx="0">
-              <a:schemeClr val="accent1"/>
-            </a:effectRef>
-            <a:fontRef idx="minor">
-              <a:schemeClr val="tx1"/>
-            </a:fontRef>
-          </p:style>
-          <p:txBody>
-            <a:bodyPr rtlCol="0" anchor="ctr"/>
-            <a:lstStyle/>
-            <a:p>
-              <a:pPr algn="ctr"/>
-              <a:endParaRPr lang="en-US"/>
-            </a:p>
-          </p:txBody>
-        </p:sp>
-        <p:sp>
-          <p:nvSpPr>
-            <p:cNvPr id="16" name="Freeform 15"/>
-            <p:cNvSpPr/>
-            <p:nvPr/>
-          </p:nvSpPr>
-          <p:spPr>
-            <a:xfrm>
-              <a:off x="5492130" y="1417320"/>
-              <a:ext cx="1005840" cy="1097280"/>
-            </a:xfrm>
-            <a:custGeom>
-              <a:avLst/>
-              <a:gdLst>
-                <a:gd name="connsiteX0" fmla="*/ 0 w 1841500"/>
-                <a:gd name="connsiteY0" fmla="*/ 922867 h 935567"/>
-                <a:gd name="connsiteX1" fmla="*/ 914400 w 1841500"/>
-                <a:gd name="connsiteY1" fmla="*/ 2117 h 935567"/>
-                <a:gd name="connsiteX2" fmla="*/ 1841500 w 1841500"/>
-                <a:gd name="connsiteY2" fmla="*/ 935567 h 935567"/>
-              </a:gdLst>
-              <a:ahLst/>
-              <a:cxnLst>
-                <a:cxn ang="0">
-                  <a:pos x="connsiteX0" y="connsiteY0"/>
-                </a:cxn>
-                <a:cxn ang="0">
-                  <a:pos x="connsiteX1" y="connsiteY1"/>
-                </a:cxn>
-                <a:cxn ang="0">
-                  <a:pos x="connsiteX2" y="connsiteY2"/>
-                </a:cxn>
-              </a:cxnLst>
-              <a:rect l="l" t="t" r="r" b="b"/>
-              <a:pathLst>
-                <a:path w="1841500" h="935567">
-                  <a:moveTo>
-                    <a:pt x="0" y="922867"/>
-                  </a:moveTo>
-                  <a:cubicBezTo>
-                    <a:pt x="303741" y="461433"/>
-                    <a:pt x="607483" y="0"/>
-                    <a:pt x="914400" y="2117"/>
-                  </a:cubicBezTo>
-                  <a:cubicBezTo>
-                    <a:pt x="1221317" y="4234"/>
-                    <a:pt x="1670050" y="719667"/>
-                    <a:pt x="1841500" y="935567"/>
-                  </a:cubicBezTo>
-                </a:path>
-              </a:pathLst>
-            </a:custGeom>
-            <a:ln w="12700">
-              <a:solidFill>
-                <a:schemeClr val="tx1">
-                  <a:lumMod val="95000"/>
-                  <a:lumOff val="5000"/>
-                </a:schemeClr>
-              </a:solidFill>
-              <a:prstDash val="dash"/>
-            </a:ln>
-          </p:spPr>
-          <p:style>
-            <a:lnRef idx="1">
-              <a:schemeClr val="accent1"/>
-            </a:lnRef>
-            <a:fillRef idx="0">
-              <a:schemeClr val="accent1"/>
-            </a:fillRef>
-            <a:effectRef idx="0">
-              <a:schemeClr val="accent1"/>
-            </a:effectRef>
-            <a:fontRef idx="minor">
-              <a:schemeClr val="tx1"/>
-            </a:fontRef>
-          </p:style>
-          <p:txBody>
-            <a:bodyPr rtlCol="0" anchor="ctr"/>
-            <a:lstStyle/>
-            <a:p>
-              <a:pPr algn="ctr"/>
-              <a:endParaRPr lang="en-US"/>
-            </a:p>
-          </p:txBody>
-        </p:sp>
-        <p:sp>
-          <p:nvSpPr>
-            <p:cNvPr id="17" name="Freeform 16"/>
-            <p:cNvSpPr/>
-            <p:nvPr/>
-          </p:nvSpPr>
-          <p:spPr>
-            <a:xfrm>
-              <a:off x="4486290" y="1463040"/>
-              <a:ext cx="1005840" cy="1051560"/>
-            </a:xfrm>
-            <a:custGeom>
-              <a:avLst/>
-              <a:gdLst>
-                <a:gd name="connsiteX0" fmla="*/ 0 w 1841500"/>
-                <a:gd name="connsiteY0" fmla="*/ 922867 h 935567"/>
-                <a:gd name="connsiteX1" fmla="*/ 914400 w 1841500"/>
-                <a:gd name="connsiteY1" fmla="*/ 2117 h 935567"/>
-                <a:gd name="connsiteX2" fmla="*/ 1841500 w 1841500"/>
-                <a:gd name="connsiteY2" fmla="*/ 935567 h 935567"/>
-              </a:gdLst>
-              <a:ahLst/>
-              <a:cxnLst>
-                <a:cxn ang="0">
-                  <a:pos x="connsiteX0" y="connsiteY0"/>
-                </a:cxn>
-                <a:cxn ang="0">
-                  <a:pos x="connsiteX1" y="connsiteY1"/>
-                </a:cxn>
-                <a:cxn ang="0">
-                  <a:pos x="connsiteX2" y="connsiteY2"/>
-                </a:cxn>
-              </a:cxnLst>
-              <a:rect l="l" t="t" r="r" b="b"/>
-              <a:pathLst>
-                <a:path w="1841500" h="935567">
-                  <a:moveTo>
-                    <a:pt x="0" y="922867"/>
-                  </a:moveTo>
-                  <a:cubicBezTo>
-                    <a:pt x="303741" y="461433"/>
-                    <a:pt x="607483" y="0"/>
-                    <a:pt x="914400" y="2117"/>
-                  </a:cubicBezTo>
-                  <a:cubicBezTo>
-                    <a:pt x="1221317" y="4234"/>
-                    <a:pt x="1670050" y="719667"/>
-                    <a:pt x="1841500" y="935567"/>
-                  </a:cubicBezTo>
-                </a:path>
-              </a:pathLst>
-            </a:custGeom>
-          </p:spPr>
-          <p:style>
-            <a:lnRef idx="1">
-              <a:schemeClr val="accent1"/>
-            </a:lnRef>
-            <a:fillRef idx="0">
-              <a:schemeClr val="accent1"/>
-            </a:fillRef>
-            <a:effectRef idx="0">
-              <a:schemeClr val="accent1"/>
-            </a:effectRef>
-            <a:fontRef idx="minor">
-              <a:schemeClr val="tx1"/>
-            </a:fontRef>
-          </p:style>
-          <p:txBody>
-            <a:bodyPr rtlCol="0" anchor="ctr"/>
-            <a:lstStyle/>
-            <a:p>
-              <a:pPr algn="ctr"/>
-              <a:endParaRPr lang="en-US"/>
-            </a:p>
-          </p:txBody>
-        </p:sp>
-        <p:cxnSp>
-          <p:nvCxnSpPr>
-            <p:cNvPr id="22" name="Straight Arrow Connector 21"/>
-            <p:cNvCxnSpPr/>
-            <p:nvPr/>
-          </p:nvCxnSpPr>
-          <p:spPr>
-            <a:xfrm>
-              <a:off x="2886090" y="2148840"/>
-              <a:ext cx="502920" cy="1588"/>
-            </a:xfrm>
-            <a:prstGeom prst="straightConnector1">
-              <a:avLst/>
-            </a:prstGeom>
-            <a:ln w="6350">
-              <a:solidFill>
-                <a:schemeClr val="tx1">
-                  <a:lumMod val="65000"/>
-                  <a:lumOff val="35000"/>
-                </a:schemeClr>
-              </a:solidFill>
-              <a:headEnd type="triangle"/>
-              <a:tailEnd type="triangle"/>
-            </a:ln>
-          </p:spPr>
-          <p:style>
-            <a:lnRef idx="1">
-              <a:schemeClr val="accent1"/>
-            </a:lnRef>
-            <a:fillRef idx="0">
-              <a:schemeClr val="accent1"/>
-            </a:fillRef>
-            <a:effectRef idx="0">
-              <a:schemeClr val="accent1"/>
-            </a:effectRef>
-            <a:fontRef idx="minor">
-              <a:schemeClr val="tx1"/>
-            </a:fontRef>
-          </p:style>
-        </p:cxnSp>
-        <p:cxnSp>
-          <p:nvCxnSpPr>
-            <p:cNvPr id="23" name="Straight Arrow Connector 22"/>
-            <p:cNvCxnSpPr/>
-            <p:nvPr/>
-          </p:nvCxnSpPr>
-          <p:spPr>
-            <a:xfrm>
-              <a:off x="4623450" y="2148840"/>
-              <a:ext cx="1005840" cy="1588"/>
-            </a:xfrm>
-            <a:prstGeom prst="straightConnector1">
-              <a:avLst/>
-            </a:prstGeom>
-            <a:ln w="6350">
-              <a:solidFill>
-                <a:schemeClr val="tx1">
-                  <a:lumMod val="65000"/>
-                  <a:lumOff val="35000"/>
-                </a:schemeClr>
-              </a:solidFill>
-              <a:headEnd type="triangle"/>
-              <a:tailEnd type="triangle"/>
-            </a:ln>
-          </p:spPr>
-          <p:style>
-            <a:lnRef idx="1">
-              <a:schemeClr val="accent1"/>
-            </a:lnRef>
-            <a:fillRef idx="0">
-              <a:schemeClr val="accent1"/>
-            </a:fillRef>
-            <a:effectRef idx="0">
-              <a:schemeClr val="accent1"/>
-            </a:effectRef>
-            <a:fontRef idx="minor">
-              <a:schemeClr val="tx1"/>
-            </a:fontRef>
-          </p:style>
-        </p:cxnSp>
-        <p:sp>
-          <p:nvSpPr>
-            <p:cNvPr id="29" name="TextBox 28"/>
-            <p:cNvSpPr txBox="1"/>
-            <p:nvPr/>
-          </p:nvSpPr>
-          <p:spPr>
-            <a:xfrm>
-              <a:off x="3045155" y="1859288"/>
-              <a:ext cx="182880" cy="369332"/>
-            </a:xfrm>
-            <a:prstGeom prst="rect">
-              <a:avLst/>
-            </a:prstGeom>
-            <a:noFill/>
-          </p:spPr>
-          <p:txBody>
-            <a:bodyPr wrap="square" rtlCol="0">
-              <a:spAutoFit/>
-            </a:bodyPr>
-            <a:lstStyle/>
-            <a:p>
-              <a:r>
-                <a:rPr lang="en-US" dirty="0" smtClean="0"/>
-                <a:t>a</a:t>
-              </a:r>
-              <a:endParaRPr lang="en-US" dirty="0"/>
-            </a:p>
-          </p:txBody>
-        </p:sp>
-        <p:sp>
-          <p:nvSpPr>
-            <p:cNvPr id="42" name="TextBox 41"/>
-            <p:cNvSpPr txBox="1"/>
-            <p:nvPr/>
-          </p:nvSpPr>
-          <p:spPr>
-            <a:xfrm>
-              <a:off x="4943490" y="1864994"/>
-              <a:ext cx="548640" cy="369332"/>
-            </a:xfrm>
-            <a:prstGeom prst="rect">
-              <a:avLst/>
-            </a:prstGeom>
-            <a:noFill/>
-          </p:spPr>
-          <p:txBody>
-            <a:bodyPr wrap="square" rtlCol="0">
-              <a:spAutoFit/>
-            </a:bodyPr>
-            <a:lstStyle/>
-            <a:p>
-              <a:r>
-                <a:rPr lang="en-US" dirty="0" smtClean="0"/>
-                <a:t>2a</a:t>
-              </a:r>
-              <a:endParaRPr lang="en-US" dirty="0"/>
-            </a:p>
-          </p:txBody>
-        </p:sp>
-        <p:sp>
-          <p:nvSpPr>
-            <p:cNvPr id="44" name="TextBox 43"/>
-            <p:cNvSpPr txBox="1"/>
-            <p:nvPr/>
-          </p:nvSpPr>
-          <p:spPr>
-            <a:xfrm>
-              <a:off x="1188720" y="1005840"/>
-              <a:ext cx="594360" cy="338554"/>
-            </a:xfrm>
-            <a:prstGeom prst="rect">
-              <a:avLst/>
-            </a:prstGeom>
-            <a:noFill/>
-          </p:spPr>
-          <p:txBody>
-            <a:bodyPr wrap="square" rtlCol="0">
-              <a:spAutoFit/>
-            </a:bodyPr>
-            <a:lstStyle/>
-            <a:p>
-              <a:r>
-                <a:rPr lang="en-US" sz="1600" dirty="0" smtClean="0"/>
-                <a:t>t=0</a:t>
-              </a:r>
-              <a:endParaRPr lang="en-US" sz="1600" dirty="0"/>
-            </a:p>
-          </p:txBody>
-        </p:sp>
-        <p:sp>
-          <p:nvSpPr>
-            <p:cNvPr id="45" name="TextBox 44"/>
-            <p:cNvSpPr txBox="1"/>
-            <p:nvPr/>
-          </p:nvSpPr>
-          <p:spPr>
-            <a:xfrm>
-              <a:off x="3154680" y="960120"/>
-              <a:ext cx="960120" cy="369332"/>
-            </a:xfrm>
-            <a:prstGeom prst="rect">
-              <a:avLst/>
-            </a:prstGeom>
-            <a:noFill/>
-          </p:spPr>
-          <p:txBody>
-            <a:bodyPr wrap="square" rtlCol="0">
-              <a:spAutoFit/>
-            </a:bodyPr>
-            <a:lstStyle/>
-            <a:p>
-              <a:r>
-                <a:rPr lang="en-US" dirty="0" smtClean="0"/>
-                <a:t>t=T/4</a:t>
-              </a:r>
-              <a:endParaRPr lang="en-US" dirty="0"/>
-            </a:p>
-          </p:txBody>
-        </p:sp>
-        <p:sp>
-          <p:nvSpPr>
-            <p:cNvPr id="46" name="TextBox 45"/>
-            <p:cNvSpPr txBox="1"/>
-            <p:nvPr/>
-          </p:nvSpPr>
-          <p:spPr>
-            <a:xfrm>
-              <a:off x="5120640" y="914400"/>
-              <a:ext cx="960120" cy="369332"/>
-            </a:xfrm>
-            <a:prstGeom prst="rect">
-              <a:avLst/>
-            </a:prstGeom>
-            <a:noFill/>
-          </p:spPr>
-          <p:txBody>
-            <a:bodyPr wrap="square" rtlCol="0">
-              <a:spAutoFit/>
-            </a:bodyPr>
-            <a:lstStyle/>
-            <a:p>
-              <a:r>
-                <a:rPr lang="en-US" dirty="0" smtClean="0"/>
-                <a:t>t=T/2</a:t>
-              </a:r>
-              <a:endParaRPr lang="en-US" dirty="0"/>
-            </a:p>
-          </p:txBody>
-        </p:sp>
-        <p:sp>
-          <p:nvSpPr>
-            <p:cNvPr id="61" name="TextBox 60"/>
-            <p:cNvSpPr txBox="1"/>
-            <p:nvPr/>
-          </p:nvSpPr>
-          <p:spPr>
-            <a:xfrm>
-              <a:off x="1188720" y="2834640"/>
-              <a:ext cx="594360" cy="338554"/>
-            </a:xfrm>
-            <a:prstGeom prst="rect">
-              <a:avLst/>
-            </a:prstGeom>
-            <a:noFill/>
-          </p:spPr>
-          <p:txBody>
-            <a:bodyPr wrap="square" rtlCol="0">
-              <a:spAutoFit/>
-            </a:bodyPr>
-            <a:lstStyle/>
-            <a:p>
-              <a:r>
-                <a:rPr lang="en-US" sz="1600" dirty="0" smtClean="0"/>
-                <a:t>t=T</a:t>
-              </a:r>
-              <a:endParaRPr lang="en-US" sz="1600" dirty="0"/>
-            </a:p>
-          </p:txBody>
-        </p:sp>
-        <p:sp>
-          <p:nvSpPr>
-            <p:cNvPr id="62" name="TextBox 61"/>
-            <p:cNvSpPr txBox="1"/>
-            <p:nvPr/>
-          </p:nvSpPr>
-          <p:spPr>
-            <a:xfrm>
-              <a:off x="3108960" y="2788920"/>
-              <a:ext cx="960120" cy="338554"/>
-            </a:xfrm>
-            <a:prstGeom prst="rect">
-              <a:avLst/>
-            </a:prstGeom>
-            <a:noFill/>
-          </p:spPr>
-          <p:txBody>
-            <a:bodyPr wrap="square" rtlCol="0">
-              <a:spAutoFit/>
-            </a:bodyPr>
-            <a:lstStyle/>
-            <a:p>
-              <a:r>
-                <a:rPr lang="en-US" sz="1600" dirty="0" smtClean="0"/>
-                <a:t>t=3T/4</a:t>
-              </a:r>
-              <a:endParaRPr lang="en-US" sz="1600" dirty="0"/>
-            </a:p>
-          </p:txBody>
-        </p:sp>
-        <p:sp>
-          <p:nvSpPr>
-            <p:cNvPr id="63" name="TextBox 62"/>
-            <p:cNvSpPr txBox="1"/>
-            <p:nvPr/>
-          </p:nvSpPr>
-          <p:spPr>
-            <a:xfrm>
-              <a:off x="5029200" y="2743200"/>
-              <a:ext cx="960120" cy="338554"/>
-            </a:xfrm>
-            <a:prstGeom prst="rect">
-              <a:avLst/>
-            </a:prstGeom>
-            <a:noFill/>
-          </p:spPr>
-          <p:txBody>
-            <a:bodyPr wrap="square" rtlCol="0">
-              <a:spAutoFit/>
-            </a:bodyPr>
-            <a:lstStyle/>
-            <a:p>
-              <a:r>
-                <a:rPr lang="en-US" sz="1600" dirty="0" smtClean="0"/>
-                <a:t>t=T/2</a:t>
-              </a:r>
-              <a:endParaRPr lang="en-US" sz="1600" dirty="0"/>
-            </a:p>
-          </p:txBody>
-        </p:sp>
-        <p:sp>
-          <p:nvSpPr>
-            <p:cNvPr id="66" name="TextBox 65"/>
-            <p:cNvSpPr txBox="1"/>
-            <p:nvPr/>
-          </p:nvSpPr>
-          <p:spPr>
-            <a:xfrm>
-              <a:off x="640080" y="3977640"/>
-              <a:ext cx="868680" cy="338554"/>
-            </a:xfrm>
-            <a:prstGeom prst="rect">
-              <a:avLst/>
-            </a:prstGeom>
-            <a:noFill/>
-          </p:spPr>
-          <p:txBody>
-            <a:bodyPr wrap="square" rtlCol="0">
-              <a:spAutoFit/>
-            </a:bodyPr>
-            <a:lstStyle/>
-            <a:p>
-              <a:r>
-                <a:rPr lang="en-US" sz="1600" dirty="0" smtClean="0"/>
-                <a:t>x=0</a:t>
-              </a:r>
-              <a:endParaRPr lang="en-US" sz="1600" dirty="0"/>
-            </a:p>
-          </p:txBody>
-        </p:sp>
         <p:grpSp>
           <p:nvGrpSpPr>
-            <p:cNvPr id="78" name="Group 77"/>
+            <p:cNvPr id="84" name="Group 83"/>
             <p:cNvGrpSpPr/>
             <p:nvPr/>
           </p:nvGrpSpPr>
           <p:grpSpPr>
             <a:xfrm>
-              <a:off x="2926080" y="548640"/>
-              <a:ext cx="1645920" cy="320040"/>
-              <a:chOff x="2926080" y="548640"/>
-              <a:chExt cx="1645920" cy="320040"/>
+              <a:off x="640080" y="548640"/>
+              <a:ext cx="5995050" cy="3767554"/>
+              <a:chOff x="640080" y="548640"/>
+              <a:chExt cx="5995050" cy="3767554"/>
             </a:xfrm>
           </p:grpSpPr>
+          <p:cxnSp>
+            <p:nvCxnSpPr>
+              <p:cNvPr id="5" name="Straight Arrow Connector 4"/>
+              <p:cNvCxnSpPr/>
+              <p:nvPr/>
+            </p:nvCxnSpPr>
+            <p:spPr>
+              <a:xfrm rot="16200000" flipV="1">
+                <a:off x="2071" y="1598129"/>
+                <a:ext cx="1829594" cy="4936"/>
+              </a:xfrm>
+              <a:prstGeom prst="straightConnector1">
+                <a:avLst/>
+              </a:prstGeom>
+              <a:ln>
+                <a:tailEnd type="arrow"/>
+              </a:ln>
+            </p:spPr>
+            <p:style>
+              <a:lnRef idx="1">
+                <a:schemeClr val="accent1"/>
+              </a:lnRef>
+              <a:fillRef idx="0">
+                <a:schemeClr val="accent1"/>
+              </a:fillRef>
+              <a:effectRef idx="0">
+                <a:schemeClr val="accent1"/>
+              </a:effectRef>
+              <a:fontRef idx="minor">
+                <a:schemeClr val="tx1"/>
+              </a:fontRef>
+            </p:style>
+          </p:cxnSp>
+          <p:cxnSp>
+            <p:nvCxnSpPr>
+              <p:cNvPr id="8" name="Straight Arrow Connector 7"/>
+              <p:cNvCxnSpPr/>
+              <p:nvPr/>
+            </p:nvCxnSpPr>
+            <p:spPr>
+              <a:xfrm>
+                <a:off x="920130" y="2514600"/>
+                <a:ext cx="5715000" cy="1588"/>
+              </a:xfrm>
+              <a:prstGeom prst="straightConnector1">
+                <a:avLst/>
+              </a:prstGeom>
+              <a:ln>
+                <a:tailEnd type="arrow"/>
+              </a:ln>
+            </p:spPr>
+            <p:style>
+              <a:lnRef idx="1">
+                <a:schemeClr val="accent1"/>
+              </a:lnRef>
+              <a:fillRef idx="0">
+                <a:schemeClr val="accent1"/>
+              </a:fillRef>
+              <a:effectRef idx="0">
+                <a:schemeClr val="accent1"/>
+              </a:effectRef>
+              <a:fontRef idx="minor">
+                <a:schemeClr val="tx1"/>
+              </a:fontRef>
+            </p:style>
+          </p:cxnSp>
           <p:sp>
             <p:nvSpPr>
-              <p:cNvPr id="19" name="Right Arrow 18"/>
+              <p:cNvPr id="13" name="Freeform 12"/>
               <p:cNvSpPr/>
               <p:nvPr/>
             </p:nvSpPr>
             <p:spPr>
               <a:xfrm>
-                <a:off x="2926080" y="548640"/>
-                <a:ext cx="1325880" cy="137160"/>
+                <a:off x="920130" y="868680"/>
+                <a:ext cx="1005840" cy="1645921"/>
               </a:xfrm>
-              <a:prstGeom prst="rightArrow">
+              <a:custGeom>
                 <a:avLst/>
-              </a:prstGeom>
-              <a:solidFill>
-                <a:schemeClr val="tx1">
-                  <a:lumMod val="65000"/>
-                  <a:lumOff val="35000"/>
-                </a:schemeClr>
-              </a:solidFill>
-              <a:ln>
-                <a:solidFill>
-                  <a:schemeClr val="tx1">
-                    <a:lumMod val="65000"/>
-                    <a:lumOff val="35000"/>
-                  </a:schemeClr>
-                </a:solidFill>
-              </a:ln>
+                <a:gdLst>
+                  <a:gd name="connsiteX0" fmla="*/ 0 w 1841500"/>
+                  <a:gd name="connsiteY0" fmla="*/ 922867 h 935567"/>
+                  <a:gd name="connsiteX1" fmla="*/ 914400 w 1841500"/>
+                  <a:gd name="connsiteY1" fmla="*/ 2117 h 935567"/>
+                  <a:gd name="connsiteX2" fmla="*/ 1841500 w 1841500"/>
+                  <a:gd name="connsiteY2" fmla="*/ 935567 h 935567"/>
+                </a:gdLst>
+                <a:ahLst/>
+                <a:cxnLst>
+                  <a:cxn ang="0">
+                    <a:pos x="connsiteX0" y="connsiteY0"/>
+                  </a:cxn>
+                  <a:cxn ang="0">
+                    <a:pos x="connsiteX1" y="connsiteY1"/>
+                  </a:cxn>
+                  <a:cxn ang="0">
+                    <a:pos x="connsiteX2" y="connsiteY2"/>
+                  </a:cxn>
+                </a:cxnLst>
+                <a:rect l="l" t="t" r="r" b="b"/>
+                <a:pathLst>
+                  <a:path w="1841500" h="935567">
+                    <a:moveTo>
+                      <a:pt x="0" y="922867"/>
+                    </a:moveTo>
+                    <a:cubicBezTo>
+                      <a:pt x="303741" y="461433"/>
+                      <a:pt x="607483" y="0"/>
+                      <a:pt x="914400" y="2117"/>
+                    </a:cubicBezTo>
+                    <a:cubicBezTo>
+                      <a:pt x="1221317" y="4234"/>
+                      <a:pt x="1670050" y="719667"/>
+                      <a:pt x="1841500" y="935567"/>
+                    </a:cubicBezTo>
+                  </a:path>
+                </a:pathLst>
+              </a:custGeom>
             </p:spPr>
             <p:style>
-              <a:lnRef idx="2">
-                <a:schemeClr val="accent1">
-                  <a:shade val="50000"/>
-                </a:schemeClr>
+              <a:lnRef idx="1">
+                <a:schemeClr val="accent1"/>
               </a:lnRef>
-              <a:fillRef idx="1">
+              <a:fillRef idx="0">
                 <a:schemeClr val="accent1"/>
               </a:fillRef>
               <a:effectRef idx="0">
                 <a:schemeClr val="accent1"/>
               </a:effectRef>
               <a:fontRef idx="minor">
-                <a:schemeClr val="lt1"/>
+                <a:schemeClr val="tx1"/>
               </a:fontRef>
             </p:style>
             <p:txBody>
@@ -3987,1016 +3261,78 @@
           </p:sp>
           <p:sp>
             <p:nvSpPr>
-              <p:cNvPr id="56" name="Right Arrow 55"/>
+              <p:cNvPr id="14" name="Freeform 13"/>
               <p:cNvSpPr/>
               <p:nvPr/>
             </p:nvSpPr>
             <p:spPr>
               <a:xfrm>
-                <a:off x="2926080" y="731520"/>
-                <a:ext cx="1325880" cy="137160"/>
+                <a:off x="3297570" y="1280160"/>
+                <a:ext cx="1005840" cy="1234440"/>
               </a:xfrm>
-              <a:prstGeom prst="rightArrow">
+              <a:custGeom>
                 <a:avLst/>
-              </a:prstGeom>
-              <a:solidFill>
-                <a:schemeClr val="bg1"/>
-              </a:solidFill>
-              <a:scene3d>
-                <a:camera prst="orthographicFront">
-                  <a:rot lat="0" lon="10800000" rev="0"/>
-                </a:camera>
-                <a:lightRig rig="threePt" dir="t"/>
-              </a:scene3d>
-            </p:spPr>
-            <p:style>
-              <a:lnRef idx="2">
-                <a:schemeClr val="accent1">
-                  <a:shade val="50000"/>
-                </a:schemeClr>
-              </a:lnRef>
-              <a:fillRef idx="1">
-                <a:schemeClr val="accent1"/>
-              </a:fillRef>
-              <a:effectRef idx="0">
-                <a:schemeClr val="accent1"/>
-              </a:effectRef>
-              <a:fontRef idx="minor">
-                <a:schemeClr val="lt1"/>
-              </a:fontRef>
-            </p:style>
-            <p:txBody>
-              <a:bodyPr rtlCol="0" anchor="ctr"/>
-              <a:lstStyle/>
-              <a:p>
-                <a:pPr algn="ctr"/>
-                <a:endParaRPr lang="en-US">
-                  <a:solidFill>
-                    <a:schemeClr val="tx1"/>
-                  </a:solidFill>
-                </a:endParaRPr>
-              </a:p>
-            </p:txBody>
-          </p:sp>
-          <p:sp>
-            <p:nvSpPr>
-              <p:cNvPr id="77" name="Curved Left Arrow 76"/>
-              <p:cNvSpPr/>
-              <p:nvPr/>
-            </p:nvSpPr>
-            <p:spPr>
-              <a:xfrm>
-                <a:off x="4297680" y="548640"/>
-                <a:ext cx="274320" cy="320040"/>
-              </a:xfrm>
-              <a:prstGeom prst="curvedLeftArrow">
-                <a:avLst/>
-              </a:prstGeom>
-              <a:solidFill>
-                <a:schemeClr val="bg1"/>
-              </a:solidFill>
-            </p:spPr>
-            <p:style>
-              <a:lnRef idx="2">
-                <a:schemeClr val="accent1">
-                  <a:shade val="50000"/>
-                </a:schemeClr>
-              </a:lnRef>
-              <a:fillRef idx="1">
-                <a:schemeClr val="accent1"/>
-              </a:fillRef>
-              <a:effectRef idx="0">
-                <a:schemeClr val="accent1"/>
-              </a:effectRef>
-              <a:fontRef idx="minor">
-                <a:schemeClr val="lt1"/>
-              </a:fontRef>
-            </p:style>
-            <p:txBody>
-              <a:bodyPr rtlCol="0" anchor="ctr"/>
-              <a:lstStyle/>
-              <a:p>
-                <a:pPr algn="ctr"/>
-                <a:endParaRPr lang="en-US">
-                  <a:solidFill>
-                    <a:schemeClr val="tx1"/>
-                  </a:solidFill>
-                </a:endParaRPr>
-              </a:p>
-            </p:txBody>
-          </p:sp>
-        </p:grpSp>
-      </p:grpSp>
-      <p:grpSp>
-        <p:nvGrpSpPr>
-          <p:cNvPr id="83" name="Group 82"/>
-          <p:cNvGrpSpPr/>
-          <p:nvPr/>
-        </p:nvGrpSpPr>
-        <p:grpSpPr>
-          <a:xfrm>
-            <a:off x="914400" y="2571756"/>
-            <a:ext cx="5721524" cy="1801594"/>
-            <a:chOff x="914400" y="2514600"/>
-            <a:chExt cx="5721524" cy="1801594"/>
-          </a:xfrm>
-        </p:grpSpPr>
-        <p:cxnSp>
-          <p:nvCxnSpPr>
-            <p:cNvPr id="49" name="Straight Arrow Connector 48"/>
-            <p:cNvCxnSpPr/>
-            <p:nvPr/>
-          </p:nvCxnSpPr>
-          <p:spPr>
-            <a:xfrm rot="5400000" flipH="1" flipV="1">
-              <a:off x="371490" y="3383280"/>
-              <a:ext cx="1098074" cy="794"/>
-            </a:xfrm>
-            <a:prstGeom prst="straightConnector1">
-              <a:avLst/>
-            </a:prstGeom>
-            <a:ln>
-              <a:tailEnd type="arrow"/>
-            </a:ln>
-          </p:spPr>
-          <p:style>
-            <a:lnRef idx="1">
-              <a:schemeClr val="accent1"/>
-            </a:lnRef>
-            <a:fillRef idx="0">
-              <a:schemeClr val="accent1"/>
-            </a:fillRef>
-            <a:effectRef idx="0">
-              <a:schemeClr val="accent1"/>
-            </a:effectRef>
-            <a:fontRef idx="minor">
-              <a:schemeClr val="tx1"/>
-            </a:fontRef>
-          </p:style>
-        </p:cxnSp>
-        <p:cxnSp>
-          <p:nvCxnSpPr>
-            <p:cNvPr id="50" name="Straight Arrow Connector 49"/>
-            <p:cNvCxnSpPr/>
-            <p:nvPr/>
-          </p:nvCxnSpPr>
-          <p:spPr>
-            <a:xfrm>
-              <a:off x="920924" y="3931920"/>
-              <a:ext cx="5715000" cy="1588"/>
-            </a:xfrm>
-            <a:prstGeom prst="straightConnector1">
-              <a:avLst/>
-            </a:prstGeom>
-            <a:ln>
-              <a:tailEnd type="arrow"/>
-            </a:ln>
-          </p:spPr>
-          <p:style>
-            <a:lnRef idx="1">
-              <a:schemeClr val="accent1"/>
-            </a:lnRef>
-            <a:fillRef idx="0">
-              <a:schemeClr val="accent1"/>
-            </a:fillRef>
-            <a:effectRef idx="0">
-              <a:schemeClr val="accent1"/>
-            </a:effectRef>
-            <a:fontRef idx="minor">
-              <a:schemeClr val="tx1"/>
-            </a:fontRef>
-          </p:style>
-        </p:cxnSp>
-        <p:sp>
-          <p:nvSpPr>
-            <p:cNvPr id="51" name="Freeform 50"/>
-            <p:cNvSpPr/>
-            <p:nvPr/>
-          </p:nvSpPr>
-          <p:spPr>
-            <a:xfrm>
-              <a:off x="920924" y="3291839"/>
-              <a:ext cx="1005840" cy="640081"/>
-            </a:xfrm>
-            <a:custGeom>
-              <a:avLst/>
-              <a:gdLst>
-                <a:gd name="connsiteX0" fmla="*/ 0 w 1841500"/>
-                <a:gd name="connsiteY0" fmla="*/ 922867 h 935567"/>
-                <a:gd name="connsiteX1" fmla="*/ 914400 w 1841500"/>
-                <a:gd name="connsiteY1" fmla="*/ 2117 h 935567"/>
-                <a:gd name="connsiteX2" fmla="*/ 1841500 w 1841500"/>
-                <a:gd name="connsiteY2" fmla="*/ 935567 h 935567"/>
-              </a:gdLst>
-              <a:ahLst/>
-              <a:cxnLst>
-                <a:cxn ang="0">
-                  <a:pos x="connsiteX0" y="connsiteY0"/>
-                </a:cxn>
-                <a:cxn ang="0">
-                  <a:pos x="connsiteX1" y="connsiteY1"/>
-                </a:cxn>
-                <a:cxn ang="0">
-                  <a:pos x="connsiteX2" y="connsiteY2"/>
-                </a:cxn>
-              </a:cxnLst>
-              <a:rect l="l" t="t" r="r" b="b"/>
-              <a:pathLst>
-                <a:path w="1841500" h="935567">
-                  <a:moveTo>
-                    <a:pt x="0" y="922867"/>
-                  </a:moveTo>
-                  <a:cubicBezTo>
-                    <a:pt x="303741" y="461433"/>
-                    <a:pt x="607483" y="0"/>
-                    <a:pt x="914400" y="2117"/>
-                  </a:cubicBezTo>
-                  <a:cubicBezTo>
-                    <a:pt x="1221317" y="4234"/>
-                    <a:pt x="1670050" y="719667"/>
-                    <a:pt x="1841500" y="935567"/>
-                  </a:cubicBezTo>
-                </a:path>
-              </a:pathLst>
-            </a:custGeom>
-          </p:spPr>
-          <p:style>
-            <a:lnRef idx="1">
-              <a:schemeClr val="accent1"/>
-            </a:lnRef>
-            <a:fillRef idx="0">
-              <a:schemeClr val="accent1"/>
-            </a:fillRef>
-            <a:effectRef idx="0">
-              <a:schemeClr val="accent1"/>
-            </a:effectRef>
-            <a:fontRef idx="minor">
-              <a:schemeClr val="tx1"/>
-            </a:fontRef>
-          </p:style>
-          <p:txBody>
-            <a:bodyPr rtlCol="0" anchor="ctr"/>
-            <a:lstStyle/>
-            <a:p>
-              <a:pPr algn="ctr"/>
-              <a:endParaRPr lang="en-US"/>
-            </a:p>
-          </p:txBody>
-        </p:sp>
-        <p:sp>
-          <p:nvSpPr>
-            <p:cNvPr id="52" name="Freeform 51"/>
-            <p:cNvSpPr/>
-            <p:nvPr/>
-          </p:nvSpPr>
-          <p:spPr>
-            <a:xfrm>
-              <a:off x="3298364" y="3017520"/>
-              <a:ext cx="1005840" cy="914400"/>
-            </a:xfrm>
-            <a:custGeom>
-              <a:avLst/>
-              <a:gdLst>
-                <a:gd name="connsiteX0" fmla="*/ 0 w 1841500"/>
-                <a:gd name="connsiteY0" fmla="*/ 922867 h 935567"/>
-                <a:gd name="connsiteX1" fmla="*/ 914400 w 1841500"/>
-                <a:gd name="connsiteY1" fmla="*/ 2117 h 935567"/>
-                <a:gd name="connsiteX2" fmla="*/ 1841500 w 1841500"/>
-                <a:gd name="connsiteY2" fmla="*/ 935567 h 935567"/>
-              </a:gdLst>
-              <a:ahLst/>
-              <a:cxnLst>
-                <a:cxn ang="0">
-                  <a:pos x="connsiteX0" y="connsiteY0"/>
-                </a:cxn>
-                <a:cxn ang="0">
-                  <a:pos x="connsiteX1" y="connsiteY1"/>
-                </a:cxn>
-                <a:cxn ang="0">
-                  <a:pos x="connsiteX2" y="connsiteY2"/>
-                </a:cxn>
-              </a:cxnLst>
-              <a:rect l="l" t="t" r="r" b="b"/>
-              <a:pathLst>
-                <a:path w="1841500" h="935567">
-                  <a:moveTo>
-                    <a:pt x="0" y="922867"/>
-                  </a:moveTo>
-                  <a:cubicBezTo>
-                    <a:pt x="303741" y="461433"/>
-                    <a:pt x="607483" y="0"/>
-                    <a:pt x="914400" y="2117"/>
-                  </a:cubicBezTo>
-                  <a:cubicBezTo>
-                    <a:pt x="1221317" y="4234"/>
-                    <a:pt x="1670050" y="719667"/>
-                    <a:pt x="1841500" y="935567"/>
-                  </a:cubicBezTo>
-                </a:path>
-              </a:pathLst>
-            </a:custGeom>
-            <a:ln w="12700">
-              <a:solidFill>
-                <a:schemeClr val="tx1">
-                  <a:lumMod val="95000"/>
-                  <a:lumOff val="5000"/>
-                </a:schemeClr>
-              </a:solidFill>
-              <a:prstDash val="dash"/>
-            </a:ln>
-          </p:spPr>
-          <p:style>
-            <a:lnRef idx="1">
-              <a:schemeClr val="accent1"/>
-            </a:lnRef>
-            <a:fillRef idx="0">
-              <a:schemeClr val="accent1"/>
-            </a:fillRef>
-            <a:effectRef idx="0">
-              <a:schemeClr val="accent1"/>
-            </a:effectRef>
-            <a:fontRef idx="minor">
-              <a:schemeClr val="tx1"/>
-            </a:fontRef>
-          </p:style>
-          <p:txBody>
-            <a:bodyPr rtlCol="0" anchor="ctr"/>
-            <a:lstStyle/>
-            <a:p>
-              <a:pPr algn="ctr"/>
-              <a:endParaRPr lang="en-US"/>
-            </a:p>
-          </p:txBody>
-        </p:sp>
-        <p:sp>
-          <p:nvSpPr>
-            <p:cNvPr id="53" name="Freeform 52"/>
-            <p:cNvSpPr/>
-            <p:nvPr/>
-          </p:nvSpPr>
-          <p:spPr>
-            <a:xfrm>
-              <a:off x="2795444" y="3017520"/>
-              <a:ext cx="1005840" cy="914400"/>
-            </a:xfrm>
-            <a:custGeom>
-              <a:avLst/>
-              <a:gdLst>
-                <a:gd name="connsiteX0" fmla="*/ 0 w 1841500"/>
-                <a:gd name="connsiteY0" fmla="*/ 922867 h 935567"/>
-                <a:gd name="connsiteX1" fmla="*/ 914400 w 1841500"/>
-                <a:gd name="connsiteY1" fmla="*/ 2117 h 935567"/>
-                <a:gd name="connsiteX2" fmla="*/ 1841500 w 1841500"/>
-                <a:gd name="connsiteY2" fmla="*/ 935567 h 935567"/>
-              </a:gdLst>
-              <a:ahLst/>
-              <a:cxnLst>
-                <a:cxn ang="0">
-                  <a:pos x="connsiteX0" y="connsiteY0"/>
-                </a:cxn>
-                <a:cxn ang="0">
-                  <a:pos x="connsiteX1" y="connsiteY1"/>
-                </a:cxn>
-                <a:cxn ang="0">
-                  <a:pos x="connsiteX2" y="connsiteY2"/>
-                </a:cxn>
-              </a:cxnLst>
-              <a:rect l="l" t="t" r="r" b="b"/>
-              <a:pathLst>
-                <a:path w="1841500" h="935567">
-                  <a:moveTo>
-                    <a:pt x="0" y="922867"/>
-                  </a:moveTo>
-                  <a:cubicBezTo>
-                    <a:pt x="303741" y="461433"/>
-                    <a:pt x="607483" y="0"/>
-                    <a:pt x="914400" y="2117"/>
-                  </a:cubicBezTo>
-                  <a:cubicBezTo>
-                    <a:pt x="1221317" y="4234"/>
-                    <a:pt x="1670050" y="719667"/>
-                    <a:pt x="1841500" y="935567"/>
-                  </a:cubicBezTo>
-                </a:path>
-              </a:pathLst>
-            </a:custGeom>
-          </p:spPr>
-          <p:style>
-            <a:lnRef idx="1">
-              <a:schemeClr val="accent1"/>
-            </a:lnRef>
-            <a:fillRef idx="0">
-              <a:schemeClr val="accent1"/>
-            </a:fillRef>
-            <a:effectRef idx="0">
-              <a:schemeClr val="accent1"/>
-            </a:effectRef>
-            <a:fontRef idx="minor">
-              <a:schemeClr val="tx1"/>
-            </a:fontRef>
-          </p:style>
-          <p:txBody>
-            <a:bodyPr rtlCol="0" anchor="ctr"/>
-            <a:lstStyle/>
-            <a:p>
-              <a:pPr algn="ctr"/>
-              <a:endParaRPr lang="en-US"/>
-            </a:p>
-          </p:txBody>
-        </p:sp>
-        <p:sp>
-          <p:nvSpPr>
-            <p:cNvPr id="54" name="Freeform 53"/>
-            <p:cNvSpPr/>
-            <p:nvPr/>
-          </p:nvSpPr>
-          <p:spPr>
-            <a:xfrm>
-              <a:off x="5492924" y="2926080"/>
-              <a:ext cx="1005840" cy="1005840"/>
-            </a:xfrm>
-            <a:custGeom>
-              <a:avLst/>
-              <a:gdLst>
-                <a:gd name="connsiteX0" fmla="*/ 0 w 1841500"/>
-                <a:gd name="connsiteY0" fmla="*/ 922867 h 935567"/>
-                <a:gd name="connsiteX1" fmla="*/ 914400 w 1841500"/>
-                <a:gd name="connsiteY1" fmla="*/ 2117 h 935567"/>
-                <a:gd name="connsiteX2" fmla="*/ 1841500 w 1841500"/>
-                <a:gd name="connsiteY2" fmla="*/ 935567 h 935567"/>
-              </a:gdLst>
-              <a:ahLst/>
-              <a:cxnLst>
-                <a:cxn ang="0">
-                  <a:pos x="connsiteX0" y="connsiteY0"/>
-                </a:cxn>
-                <a:cxn ang="0">
-                  <a:pos x="connsiteX1" y="connsiteY1"/>
-                </a:cxn>
-                <a:cxn ang="0">
-                  <a:pos x="connsiteX2" y="connsiteY2"/>
-                </a:cxn>
-              </a:cxnLst>
-              <a:rect l="l" t="t" r="r" b="b"/>
-              <a:pathLst>
-                <a:path w="1841500" h="935567">
-                  <a:moveTo>
-                    <a:pt x="0" y="922867"/>
-                  </a:moveTo>
-                  <a:cubicBezTo>
-                    <a:pt x="303741" y="461433"/>
-                    <a:pt x="607483" y="0"/>
-                    <a:pt x="914400" y="2117"/>
-                  </a:cubicBezTo>
-                  <a:cubicBezTo>
-                    <a:pt x="1221317" y="4234"/>
-                    <a:pt x="1670050" y="719667"/>
-                    <a:pt x="1841500" y="935567"/>
-                  </a:cubicBezTo>
-                </a:path>
-              </a:pathLst>
-            </a:custGeom>
-            <a:ln w="12700">
-              <a:solidFill>
-                <a:schemeClr val="tx1">
-                  <a:lumMod val="95000"/>
-                  <a:lumOff val="5000"/>
-                </a:schemeClr>
-              </a:solidFill>
-              <a:prstDash val="dash"/>
-            </a:ln>
-          </p:spPr>
-          <p:style>
-            <a:lnRef idx="1">
-              <a:schemeClr val="accent1"/>
-            </a:lnRef>
-            <a:fillRef idx="0">
-              <a:schemeClr val="accent1"/>
-            </a:fillRef>
-            <a:effectRef idx="0">
-              <a:schemeClr val="accent1"/>
-            </a:effectRef>
-            <a:fontRef idx="minor">
-              <a:schemeClr val="tx1"/>
-            </a:fontRef>
-          </p:style>
-          <p:txBody>
-            <a:bodyPr rtlCol="0" anchor="ctr"/>
-            <a:lstStyle/>
-            <a:p>
-              <a:pPr algn="ctr"/>
-              <a:endParaRPr lang="en-US"/>
-            </a:p>
-          </p:txBody>
-        </p:sp>
-        <p:sp>
-          <p:nvSpPr>
-            <p:cNvPr id="55" name="Freeform 54"/>
-            <p:cNvSpPr/>
-            <p:nvPr/>
-          </p:nvSpPr>
-          <p:spPr>
-            <a:xfrm>
-              <a:off x="4487084" y="2880360"/>
-              <a:ext cx="1005840" cy="1051560"/>
-            </a:xfrm>
-            <a:custGeom>
-              <a:avLst/>
-              <a:gdLst>
-                <a:gd name="connsiteX0" fmla="*/ 0 w 1841500"/>
-                <a:gd name="connsiteY0" fmla="*/ 922867 h 935567"/>
-                <a:gd name="connsiteX1" fmla="*/ 914400 w 1841500"/>
-                <a:gd name="connsiteY1" fmla="*/ 2117 h 935567"/>
-                <a:gd name="connsiteX2" fmla="*/ 1841500 w 1841500"/>
-                <a:gd name="connsiteY2" fmla="*/ 935567 h 935567"/>
-              </a:gdLst>
-              <a:ahLst/>
-              <a:cxnLst>
-                <a:cxn ang="0">
-                  <a:pos x="connsiteX0" y="connsiteY0"/>
-                </a:cxn>
-                <a:cxn ang="0">
-                  <a:pos x="connsiteX1" y="connsiteY1"/>
-                </a:cxn>
-                <a:cxn ang="0">
-                  <a:pos x="connsiteX2" y="connsiteY2"/>
-                </a:cxn>
-              </a:cxnLst>
-              <a:rect l="l" t="t" r="r" b="b"/>
-              <a:pathLst>
-                <a:path w="1841500" h="935567">
-                  <a:moveTo>
-                    <a:pt x="0" y="922867"/>
-                  </a:moveTo>
-                  <a:cubicBezTo>
-                    <a:pt x="303741" y="461433"/>
-                    <a:pt x="607483" y="0"/>
-                    <a:pt x="914400" y="2117"/>
-                  </a:cubicBezTo>
-                  <a:cubicBezTo>
-                    <a:pt x="1221317" y="4234"/>
-                    <a:pt x="1670050" y="719667"/>
-                    <a:pt x="1841500" y="935567"/>
-                  </a:cubicBezTo>
-                </a:path>
-              </a:pathLst>
-            </a:custGeom>
-          </p:spPr>
-          <p:style>
-            <a:lnRef idx="1">
-              <a:schemeClr val="accent1"/>
-            </a:lnRef>
-            <a:fillRef idx="0">
-              <a:schemeClr val="accent1"/>
-            </a:fillRef>
-            <a:effectRef idx="0">
-              <a:schemeClr val="accent1"/>
-            </a:effectRef>
-            <a:fontRef idx="minor">
-              <a:schemeClr val="tx1"/>
-            </a:fontRef>
-          </p:style>
-          <p:txBody>
-            <a:bodyPr rtlCol="0" anchor="ctr"/>
-            <a:lstStyle/>
-            <a:p>
-              <a:pPr algn="ctr"/>
-              <a:endParaRPr lang="en-US"/>
-            </a:p>
-          </p:txBody>
-        </p:sp>
-        <p:cxnSp>
-          <p:nvCxnSpPr>
-            <p:cNvPr id="57" name="Straight Arrow Connector 56"/>
-            <p:cNvCxnSpPr/>
-            <p:nvPr/>
-          </p:nvCxnSpPr>
-          <p:spPr>
-            <a:xfrm>
-              <a:off x="2932604" y="3566160"/>
-              <a:ext cx="502920" cy="1588"/>
-            </a:xfrm>
-            <a:prstGeom prst="straightConnector1">
-              <a:avLst/>
-            </a:prstGeom>
-            <a:ln w="6350">
-              <a:solidFill>
-                <a:schemeClr val="tx1">
-                  <a:lumMod val="65000"/>
-                  <a:lumOff val="35000"/>
-                </a:schemeClr>
-              </a:solidFill>
-              <a:headEnd type="triangle"/>
-              <a:tailEnd type="triangle"/>
-            </a:ln>
-          </p:spPr>
-          <p:style>
-            <a:lnRef idx="1">
-              <a:schemeClr val="accent1"/>
-            </a:lnRef>
-            <a:fillRef idx="0">
-              <a:schemeClr val="accent1"/>
-            </a:fillRef>
-            <a:effectRef idx="0">
-              <a:schemeClr val="accent1"/>
-            </a:effectRef>
-            <a:fontRef idx="minor">
-              <a:schemeClr val="tx1"/>
-            </a:fontRef>
-          </p:style>
-        </p:cxnSp>
-        <p:cxnSp>
-          <p:nvCxnSpPr>
-            <p:cNvPr id="58" name="Straight Arrow Connector 57"/>
-            <p:cNvCxnSpPr/>
-            <p:nvPr/>
-          </p:nvCxnSpPr>
-          <p:spPr>
-            <a:xfrm>
-              <a:off x="4591052" y="3566160"/>
-              <a:ext cx="1005840" cy="1588"/>
-            </a:xfrm>
-            <a:prstGeom prst="straightConnector1">
-              <a:avLst/>
-            </a:prstGeom>
-            <a:ln w="6350">
-              <a:solidFill>
-                <a:schemeClr val="tx1">
-                  <a:lumMod val="65000"/>
-                  <a:lumOff val="35000"/>
-                </a:schemeClr>
-              </a:solidFill>
-              <a:headEnd type="triangle"/>
-              <a:tailEnd type="triangle"/>
-            </a:ln>
-          </p:spPr>
-          <p:style>
-            <a:lnRef idx="1">
-              <a:schemeClr val="accent1"/>
-            </a:lnRef>
-            <a:fillRef idx="0">
-              <a:schemeClr val="accent1"/>
-            </a:fillRef>
-            <a:effectRef idx="0">
-              <a:schemeClr val="accent1"/>
-            </a:effectRef>
-            <a:fontRef idx="minor">
-              <a:schemeClr val="tx1"/>
-            </a:fontRef>
-          </p:style>
-        </p:cxnSp>
-        <p:sp>
-          <p:nvSpPr>
-            <p:cNvPr id="59" name="TextBox 58"/>
-            <p:cNvSpPr txBox="1"/>
-            <p:nvPr/>
-          </p:nvSpPr>
-          <p:spPr>
-            <a:xfrm>
-              <a:off x="3045949" y="3276608"/>
-              <a:ext cx="182880" cy="369332"/>
-            </a:xfrm>
-            <a:prstGeom prst="rect">
-              <a:avLst/>
-            </a:prstGeom>
-            <a:noFill/>
-          </p:spPr>
-          <p:txBody>
-            <a:bodyPr wrap="square" rtlCol="0">
-              <a:spAutoFit/>
-            </a:bodyPr>
-            <a:lstStyle/>
-            <a:p>
-              <a:r>
-                <a:rPr lang="en-US" dirty="0" smtClean="0"/>
-                <a:t>a</a:t>
-              </a:r>
-              <a:endParaRPr lang="en-US" dirty="0"/>
-            </a:p>
-          </p:txBody>
-        </p:sp>
-        <p:sp>
-          <p:nvSpPr>
-            <p:cNvPr id="60" name="TextBox 59"/>
-            <p:cNvSpPr txBox="1"/>
-            <p:nvPr/>
-          </p:nvSpPr>
-          <p:spPr>
-            <a:xfrm>
-              <a:off x="4937760" y="3291840"/>
-              <a:ext cx="548640" cy="369332"/>
-            </a:xfrm>
-            <a:prstGeom prst="rect">
-              <a:avLst/>
-            </a:prstGeom>
-            <a:noFill/>
-          </p:spPr>
-          <p:txBody>
-            <a:bodyPr wrap="square" rtlCol="0">
-              <a:spAutoFit/>
-            </a:bodyPr>
-            <a:lstStyle/>
-            <a:p>
-              <a:r>
-                <a:rPr lang="en-US" dirty="0" smtClean="0"/>
-                <a:t>2a</a:t>
-              </a:r>
-              <a:endParaRPr lang="en-US" dirty="0"/>
-            </a:p>
-          </p:txBody>
-        </p:sp>
-        <p:sp>
-          <p:nvSpPr>
-            <p:cNvPr id="64" name="Freeform 63"/>
-            <p:cNvSpPr/>
-            <p:nvPr/>
-          </p:nvSpPr>
-          <p:spPr>
-            <a:xfrm>
-              <a:off x="914400" y="3291840"/>
-              <a:ext cx="1005840" cy="641966"/>
-            </a:xfrm>
-            <a:custGeom>
-              <a:avLst/>
-              <a:gdLst>
-                <a:gd name="connsiteX0" fmla="*/ 0 w 1841500"/>
-                <a:gd name="connsiteY0" fmla="*/ 922867 h 935567"/>
-                <a:gd name="connsiteX1" fmla="*/ 914400 w 1841500"/>
-                <a:gd name="connsiteY1" fmla="*/ 2117 h 935567"/>
-                <a:gd name="connsiteX2" fmla="*/ 1841500 w 1841500"/>
-                <a:gd name="connsiteY2" fmla="*/ 935567 h 935567"/>
-              </a:gdLst>
-              <a:ahLst/>
-              <a:cxnLst>
-                <a:cxn ang="0">
-                  <a:pos x="connsiteX0" y="connsiteY0"/>
-                </a:cxn>
-                <a:cxn ang="0">
-                  <a:pos x="connsiteX1" y="connsiteY1"/>
-                </a:cxn>
-                <a:cxn ang="0">
-                  <a:pos x="connsiteX2" y="connsiteY2"/>
-                </a:cxn>
-              </a:cxnLst>
-              <a:rect l="l" t="t" r="r" b="b"/>
-              <a:pathLst>
-                <a:path w="1841500" h="935567">
-                  <a:moveTo>
-                    <a:pt x="0" y="922867"/>
-                  </a:moveTo>
-                  <a:cubicBezTo>
-                    <a:pt x="303741" y="461433"/>
-                    <a:pt x="607483" y="0"/>
-                    <a:pt x="914400" y="2117"/>
-                  </a:cubicBezTo>
-                  <a:cubicBezTo>
-                    <a:pt x="1221317" y="4234"/>
-                    <a:pt x="1670050" y="719667"/>
-                    <a:pt x="1841500" y="935567"/>
-                  </a:cubicBezTo>
-                </a:path>
-              </a:pathLst>
-            </a:custGeom>
-            <a:ln w="12700">
-              <a:solidFill>
-                <a:schemeClr val="tx1">
-                  <a:lumMod val="95000"/>
-                  <a:lumOff val="5000"/>
-                </a:schemeClr>
-              </a:solidFill>
-              <a:prstDash val="dash"/>
-            </a:ln>
-          </p:spPr>
-          <p:style>
-            <a:lnRef idx="1">
-              <a:schemeClr val="accent1"/>
-            </a:lnRef>
-            <a:fillRef idx="0">
-              <a:schemeClr val="accent1"/>
-            </a:fillRef>
-            <a:effectRef idx="0">
-              <a:schemeClr val="accent1"/>
-            </a:effectRef>
-            <a:fontRef idx="minor">
-              <a:schemeClr val="tx1"/>
-            </a:fontRef>
-          </p:style>
-          <p:txBody>
-            <a:bodyPr rtlCol="0" anchor="ctr"/>
-            <a:lstStyle/>
-            <a:p>
-              <a:pPr algn="ctr"/>
-              <a:endParaRPr lang="en-US"/>
-            </a:p>
-          </p:txBody>
-        </p:sp>
-        <p:sp>
-          <p:nvSpPr>
-            <p:cNvPr id="67" name="TextBox 66"/>
-            <p:cNvSpPr txBox="1"/>
-            <p:nvPr/>
-          </p:nvSpPr>
-          <p:spPr>
-            <a:xfrm>
-              <a:off x="2976563" y="3946209"/>
-              <a:ext cx="868680" cy="338554"/>
-            </a:xfrm>
-            <a:prstGeom prst="rect">
-              <a:avLst/>
-            </a:prstGeom>
-            <a:noFill/>
-          </p:spPr>
-          <p:txBody>
-            <a:bodyPr wrap="square" rtlCol="0">
-              <a:spAutoFit/>
-            </a:bodyPr>
-            <a:lstStyle/>
-            <a:p>
-              <a:r>
-                <a:rPr lang="en-US" sz="1600" dirty="0" smtClean="0"/>
-                <a:t>x=L/2</a:t>
-              </a:r>
-              <a:endParaRPr lang="en-US" sz="1600" dirty="0"/>
-            </a:p>
-          </p:txBody>
-        </p:sp>
-        <p:sp>
-          <p:nvSpPr>
-            <p:cNvPr id="68" name="TextBox 67"/>
-            <p:cNvSpPr txBox="1"/>
-            <p:nvPr/>
-          </p:nvSpPr>
-          <p:spPr>
-            <a:xfrm>
-              <a:off x="5235895" y="3977640"/>
-              <a:ext cx="868680" cy="338554"/>
-            </a:xfrm>
-            <a:prstGeom prst="rect">
-              <a:avLst/>
-            </a:prstGeom>
-            <a:noFill/>
-          </p:spPr>
-          <p:txBody>
-            <a:bodyPr wrap="square" rtlCol="0">
-              <a:spAutoFit/>
-            </a:bodyPr>
-            <a:lstStyle/>
-            <a:p>
-              <a:r>
-                <a:rPr lang="en-US" sz="1600" dirty="0" smtClean="0"/>
-                <a:t>x=L</a:t>
-              </a:r>
-              <a:endParaRPr lang="en-US" sz="1600" dirty="0"/>
-            </a:p>
-          </p:txBody>
-        </p:sp>
-        <p:cxnSp>
-          <p:nvCxnSpPr>
-            <p:cNvPr id="70" name="Straight Connector 69"/>
-            <p:cNvCxnSpPr/>
-            <p:nvPr/>
-          </p:nvCxnSpPr>
-          <p:spPr>
-            <a:xfrm rot="5400000">
-              <a:off x="5440680" y="3977640"/>
-              <a:ext cx="91440" cy="0"/>
-            </a:xfrm>
-            <a:prstGeom prst="line">
-              <a:avLst/>
-            </a:prstGeom>
-          </p:spPr>
-          <p:style>
-            <a:lnRef idx="1">
-              <a:schemeClr val="accent1"/>
-            </a:lnRef>
-            <a:fillRef idx="0">
-              <a:schemeClr val="accent1"/>
-            </a:fillRef>
-            <a:effectRef idx="0">
-              <a:schemeClr val="accent1"/>
-            </a:effectRef>
-            <a:fontRef idx="minor">
-              <a:schemeClr val="tx1"/>
-            </a:fontRef>
-          </p:style>
-        </p:cxnSp>
-        <p:cxnSp>
-          <p:nvCxnSpPr>
-            <p:cNvPr id="72" name="Straight Connector 71"/>
-            <p:cNvCxnSpPr/>
-            <p:nvPr/>
-          </p:nvCxnSpPr>
-          <p:spPr>
-            <a:xfrm rot="5400000">
-              <a:off x="3246120" y="3977640"/>
-              <a:ext cx="91440" cy="0"/>
-            </a:xfrm>
-            <a:prstGeom prst="line">
-              <a:avLst/>
-            </a:prstGeom>
-          </p:spPr>
-          <p:style>
-            <a:lnRef idx="1">
-              <a:schemeClr val="accent1"/>
-            </a:lnRef>
-            <a:fillRef idx="0">
-              <a:schemeClr val="accent1"/>
-            </a:fillRef>
-            <a:effectRef idx="0">
-              <a:schemeClr val="accent1"/>
-            </a:effectRef>
-            <a:fontRef idx="minor">
-              <a:schemeClr val="tx1"/>
-            </a:fontRef>
-          </p:style>
-        </p:cxnSp>
-        <p:cxnSp>
-          <p:nvCxnSpPr>
-            <p:cNvPr id="73" name="Straight Connector 72"/>
-            <p:cNvCxnSpPr/>
-            <p:nvPr/>
-          </p:nvCxnSpPr>
-          <p:spPr>
-            <a:xfrm rot="5400000">
-              <a:off x="868680" y="3977640"/>
-              <a:ext cx="91440" cy="0"/>
-            </a:xfrm>
-            <a:prstGeom prst="line">
-              <a:avLst/>
-            </a:prstGeom>
-          </p:spPr>
-          <p:style>
-            <a:lnRef idx="1">
-              <a:schemeClr val="accent1"/>
-            </a:lnRef>
-            <a:fillRef idx="0">
-              <a:schemeClr val="accent1"/>
-            </a:fillRef>
-            <a:effectRef idx="0">
-              <a:schemeClr val="accent1"/>
-            </a:effectRef>
-            <a:fontRef idx="minor">
-              <a:schemeClr val="tx1"/>
-            </a:fontRef>
-          </p:style>
-        </p:cxnSp>
-        <p:grpSp>
-          <p:nvGrpSpPr>
-            <p:cNvPr id="79" name="Group 78"/>
-            <p:cNvGrpSpPr/>
-            <p:nvPr/>
-          </p:nvGrpSpPr>
-          <p:grpSpPr>
-            <a:xfrm>
-              <a:off x="2880360" y="2514600"/>
-              <a:ext cx="1645920" cy="320040"/>
-              <a:chOff x="2926080" y="548640"/>
-              <a:chExt cx="1645920" cy="320040"/>
-            </a:xfrm>
-          </p:grpSpPr>
-          <p:sp>
-            <p:nvSpPr>
-              <p:cNvPr id="80" name="Right Arrow 79"/>
-              <p:cNvSpPr/>
-              <p:nvPr/>
-            </p:nvSpPr>
-            <p:spPr>
-              <a:xfrm>
-                <a:off x="2926080" y="548640"/>
-                <a:ext cx="1325880" cy="137160"/>
-              </a:xfrm>
-              <a:prstGeom prst="rightArrow">
-                <a:avLst/>
-              </a:prstGeom>
-              <a:solidFill>
-                <a:schemeClr val="tx1">
-                  <a:lumMod val="65000"/>
-                  <a:lumOff val="35000"/>
-                </a:schemeClr>
-              </a:solidFill>
-              <a:ln>
+                <a:gdLst>
+                  <a:gd name="connsiteX0" fmla="*/ 0 w 1841500"/>
+                  <a:gd name="connsiteY0" fmla="*/ 922867 h 935567"/>
+                  <a:gd name="connsiteX1" fmla="*/ 914400 w 1841500"/>
+                  <a:gd name="connsiteY1" fmla="*/ 2117 h 935567"/>
+                  <a:gd name="connsiteX2" fmla="*/ 1841500 w 1841500"/>
+                  <a:gd name="connsiteY2" fmla="*/ 935567 h 935567"/>
+                </a:gdLst>
+                <a:ahLst/>
+                <a:cxnLst>
+                  <a:cxn ang="0">
+                    <a:pos x="connsiteX0" y="connsiteY0"/>
+                  </a:cxn>
+                  <a:cxn ang="0">
+                    <a:pos x="connsiteX1" y="connsiteY1"/>
+                  </a:cxn>
+                  <a:cxn ang="0">
+                    <a:pos x="connsiteX2" y="connsiteY2"/>
+                  </a:cxn>
+                </a:cxnLst>
+                <a:rect l="l" t="t" r="r" b="b"/>
+                <a:pathLst>
+                  <a:path w="1841500" h="935567">
+                    <a:moveTo>
+                      <a:pt x="0" y="922867"/>
+                    </a:moveTo>
+                    <a:cubicBezTo>
+                      <a:pt x="303741" y="461433"/>
+                      <a:pt x="607483" y="0"/>
+                      <a:pt x="914400" y="2117"/>
+                    </a:cubicBezTo>
+                    <a:cubicBezTo>
+                      <a:pt x="1221317" y="4234"/>
+                      <a:pt x="1670050" y="719667"/>
+                      <a:pt x="1841500" y="935567"/>
+                    </a:cubicBezTo>
+                  </a:path>
+                </a:pathLst>
+              </a:custGeom>
+              <a:ln w="12700">
                 <a:solidFill>
                   <a:schemeClr val="tx1">
-                    <a:lumMod val="65000"/>
-                    <a:lumOff val="35000"/>
+                    <a:lumMod val="95000"/>
+                    <a:lumOff val="5000"/>
                   </a:schemeClr>
                 </a:solidFill>
+                <a:prstDash val="dash"/>
               </a:ln>
             </p:spPr>
             <p:style>
-              <a:lnRef idx="2">
-                <a:schemeClr val="accent1">
-                  <a:shade val="50000"/>
-                </a:schemeClr>
+              <a:lnRef idx="1">
+                <a:schemeClr val="accent1"/>
               </a:lnRef>
-              <a:fillRef idx="1">
+              <a:fillRef idx="0">
                 <a:schemeClr val="accent1"/>
               </a:fillRef>
               <a:effectRef idx="0">
                 <a:schemeClr val="accent1"/>
               </a:effectRef>
               <a:fontRef idx="minor">
-                <a:schemeClr val="lt1"/>
+                <a:schemeClr val="tx1"/>
               </a:fontRef>
             </p:style>
             <p:txBody>
@@ -5010,45 +3346,69 @@
           </p:sp>
           <p:sp>
             <p:nvSpPr>
-              <p:cNvPr id="81" name="Right Arrow 80"/>
+              <p:cNvPr id="15" name="Freeform 14"/>
               <p:cNvSpPr/>
               <p:nvPr/>
             </p:nvSpPr>
             <p:spPr>
               <a:xfrm>
-                <a:off x="2926080" y="731520"/>
-                <a:ext cx="1325880" cy="137160"/>
+                <a:off x="2794650" y="1280160"/>
+                <a:ext cx="1005840" cy="1234440"/>
               </a:xfrm>
-              <a:prstGeom prst="rightArrow">
+              <a:custGeom>
                 <a:avLst/>
-              </a:prstGeom>
-              <a:solidFill>
-                <a:schemeClr val="tx1">
-                  <a:lumMod val="65000"/>
-                  <a:lumOff val="35000"/>
-                </a:schemeClr>
-              </a:solidFill>
-              <a:scene3d>
-                <a:camera prst="orthographicFront">
-                  <a:rot lat="0" lon="10800000" rev="0"/>
-                </a:camera>
-                <a:lightRig rig="threePt" dir="t"/>
-              </a:scene3d>
+                <a:gdLst>
+                  <a:gd name="connsiteX0" fmla="*/ 0 w 1841500"/>
+                  <a:gd name="connsiteY0" fmla="*/ 922867 h 935567"/>
+                  <a:gd name="connsiteX1" fmla="*/ 914400 w 1841500"/>
+                  <a:gd name="connsiteY1" fmla="*/ 2117 h 935567"/>
+                  <a:gd name="connsiteX2" fmla="*/ 1841500 w 1841500"/>
+                  <a:gd name="connsiteY2" fmla="*/ 935567 h 935567"/>
+                </a:gdLst>
+                <a:ahLst/>
+                <a:cxnLst>
+                  <a:cxn ang="0">
+                    <a:pos x="connsiteX0" y="connsiteY0"/>
+                  </a:cxn>
+                  <a:cxn ang="0">
+                    <a:pos x="connsiteX1" y="connsiteY1"/>
+                  </a:cxn>
+                  <a:cxn ang="0">
+                    <a:pos x="connsiteX2" y="connsiteY2"/>
+                  </a:cxn>
+                </a:cxnLst>
+                <a:rect l="l" t="t" r="r" b="b"/>
+                <a:pathLst>
+                  <a:path w="1841500" h="935567">
+                    <a:moveTo>
+                      <a:pt x="0" y="922867"/>
+                    </a:moveTo>
+                    <a:cubicBezTo>
+                      <a:pt x="303741" y="461433"/>
+                      <a:pt x="607483" y="0"/>
+                      <a:pt x="914400" y="2117"/>
+                    </a:cubicBezTo>
+                    <a:cubicBezTo>
+                      <a:pt x="1221317" y="4234"/>
+                      <a:pt x="1670050" y="719667"/>
+                      <a:pt x="1841500" y="935567"/>
+                    </a:cubicBezTo>
+                  </a:path>
+                </a:pathLst>
+              </a:custGeom>
             </p:spPr>
             <p:style>
-              <a:lnRef idx="2">
-                <a:schemeClr val="accent1">
-                  <a:shade val="50000"/>
-                </a:schemeClr>
+              <a:lnRef idx="1">
+                <a:schemeClr val="accent1"/>
               </a:lnRef>
-              <a:fillRef idx="1">
+              <a:fillRef idx="0">
                 <a:schemeClr val="accent1"/>
               </a:fillRef>
               <a:effectRef idx="0">
                 <a:schemeClr val="accent1"/>
               </a:effectRef>
               <a:fontRef idx="minor">
-                <a:schemeClr val="lt1"/>
+                <a:schemeClr val="tx1"/>
               </a:fontRef>
             </p:style>
             <p:txBody>
@@ -5056,49 +3416,84 @@
               <a:lstStyle/>
               <a:p>
                 <a:pPr algn="ctr"/>
-                <a:endParaRPr lang="en-US">
-                  <a:solidFill>
-                    <a:schemeClr val="tx1"/>
-                  </a:solidFill>
-                </a:endParaRPr>
+                <a:endParaRPr lang="en-US"/>
               </a:p>
             </p:txBody>
           </p:sp>
           <p:sp>
             <p:nvSpPr>
-              <p:cNvPr id="82" name="Curved Left Arrow 81"/>
+              <p:cNvPr id="16" name="Freeform 15"/>
               <p:cNvSpPr/>
               <p:nvPr/>
             </p:nvSpPr>
             <p:spPr>
               <a:xfrm>
-                <a:off x="4297680" y="548640"/>
-                <a:ext cx="274320" cy="320040"/>
+                <a:off x="5492130" y="1417320"/>
+                <a:ext cx="1005840" cy="1097280"/>
               </a:xfrm>
-              <a:prstGeom prst="curvedLeftArrow">
+              <a:custGeom>
                 <a:avLst/>
-              </a:prstGeom>
-              <a:solidFill>
-                <a:schemeClr val="tx1">
-                  <a:lumMod val="65000"/>
-                  <a:lumOff val="35000"/>
-                </a:schemeClr>
-              </a:solidFill>
+                <a:gdLst>
+                  <a:gd name="connsiteX0" fmla="*/ 0 w 1841500"/>
+                  <a:gd name="connsiteY0" fmla="*/ 922867 h 935567"/>
+                  <a:gd name="connsiteX1" fmla="*/ 914400 w 1841500"/>
+                  <a:gd name="connsiteY1" fmla="*/ 2117 h 935567"/>
+                  <a:gd name="connsiteX2" fmla="*/ 1841500 w 1841500"/>
+                  <a:gd name="connsiteY2" fmla="*/ 935567 h 935567"/>
+                </a:gdLst>
+                <a:ahLst/>
+                <a:cxnLst>
+                  <a:cxn ang="0">
+                    <a:pos x="connsiteX0" y="connsiteY0"/>
+                  </a:cxn>
+                  <a:cxn ang="0">
+                    <a:pos x="connsiteX1" y="connsiteY1"/>
+                  </a:cxn>
+                  <a:cxn ang="0">
+                    <a:pos x="connsiteX2" y="connsiteY2"/>
+                  </a:cxn>
+                </a:cxnLst>
+                <a:rect l="l" t="t" r="r" b="b"/>
+                <a:pathLst>
+                  <a:path w="1841500" h="935567">
+                    <a:moveTo>
+                      <a:pt x="0" y="922867"/>
+                    </a:moveTo>
+                    <a:cubicBezTo>
+                      <a:pt x="303741" y="461433"/>
+                      <a:pt x="607483" y="0"/>
+                      <a:pt x="914400" y="2117"/>
+                    </a:cubicBezTo>
+                    <a:cubicBezTo>
+                      <a:pt x="1221317" y="4234"/>
+                      <a:pt x="1670050" y="719667"/>
+                      <a:pt x="1841500" y="935567"/>
+                    </a:cubicBezTo>
+                  </a:path>
+                </a:pathLst>
+              </a:custGeom>
+              <a:ln w="12700">
+                <a:solidFill>
+                  <a:schemeClr val="tx1">
+                    <a:lumMod val="95000"/>
+                    <a:lumOff val="5000"/>
+                  </a:schemeClr>
+                </a:solidFill>
+                <a:prstDash val="dash"/>
+              </a:ln>
             </p:spPr>
             <p:style>
-              <a:lnRef idx="2">
-                <a:schemeClr val="accent1">
-                  <a:shade val="50000"/>
-                </a:schemeClr>
+              <a:lnRef idx="1">
+                <a:schemeClr val="accent1"/>
               </a:lnRef>
-              <a:fillRef idx="1">
+              <a:fillRef idx="0">
                 <a:schemeClr val="accent1"/>
               </a:fillRef>
               <a:effectRef idx="0">
                 <a:schemeClr val="accent1"/>
               </a:effectRef>
               <a:fontRef idx="minor">
-                <a:schemeClr val="lt1"/>
+                <a:schemeClr val="tx1"/>
               </a:fontRef>
             </p:style>
             <p:txBody>
@@ -5106,14 +3501,1537 @@
               <a:lstStyle/>
               <a:p>
                 <a:pPr algn="ctr"/>
-                <a:endParaRPr lang="en-US">
-                  <a:solidFill>
-                    <a:schemeClr val="tx1"/>
-                  </a:solidFill>
-                </a:endParaRPr>
+                <a:endParaRPr lang="en-US"/>
               </a:p>
             </p:txBody>
           </p:sp>
+          <p:sp>
+            <p:nvSpPr>
+              <p:cNvPr id="17" name="Freeform 16"/>
+              <p:cNvSpPr/>
+              <p:nvPr/>
+            </p:nvSpPr>
+            <p:spPr>
+              <a:xfrm>
+                <a:off x="4486290" y="1417320"/>
+                <a:ext cx="1005840" cy="1097280"/>
+              </a:xfrm>
+              <a:custGeom>
+                <a:avLst/>
+                <a:gdLst>
+                  <a:gd name="connsiteX0" fmla="*/ 0 w 1841500"/>
+                  <a:gd name="connsiteY0" fmla="*/ 922867 h 935567"/>
+                  <a:gd name="connsiteX1" fmla="*/ 914400 w 1841500"/>
+                  <a:gd name="connsiteY1" fmla="*/ 2117 h 935567"/>
+                  <a:gd name="connsiteX2" fmla="*/ 1841500 w 1841500"/>
+                  <a:gd name="connsiteY2" fmla="*/ 935567 h 935567"/>
+                </a:gdLst>
+                <a:ahLst/>
+                <a:cxnLst>
+                  <a:cxn ang="0">
+                    <a:pos x="connsiteX0" y="connsiteY0"/>
+                  </a:cxn>
+                  <a:cxn ang="0">
+                    <a:pos x="connsiteX1" y="connsiteY1"/>
+                  </a:cxn>
+                  <a:cxn ang="0">
+                    <a:pos x="connsiteX2" y="connsiteY2"/>
+                  </a:cxn>
+                </a:cxnLst>
+                <a:rect l="l" t="t" r="r" b="b"/>
+                <a:pathLst>
+                  <a:path w="1841500" h="935567">
+                    <a:moveTo>
+                      <a:pt x="0" y="922867"/>
+                    </a:moveTo>
+                    <a:cubicBezTo>
+                      <a:pt x="303741" y="461433"/>
+                      <a:pt x="607483" y="0"/>
+                      <a:pt x="914400" y="2117"/>
+                    </a:cubicBezTo>
+                    <a:cubicBezTo>
+                      <a:pt x="1221317" y="4234"/>
+                      <a:pt x="1670050" y="719667"/>
+                      <a:pt x="1841500" y="935567"/>
+                    </a:cubicBezTo>
+                  </a:path>
+                </a:pathLst>
+              </a:custGeom>
+            </p:spPr>
+            <p:style>
+              <a:lnRef idx="1">
+                <a:schemeClr val="accent1"/>
+              </a:lnRef>
+              <a:fillRef idx="0">
+                <a:schemeClr val="accent1"/>
+              </a:fillRef>
+              <a:effectRef idx="0">
+                <a:schemeClr val="accent1"/>
+              </a:effectRef>
+              <a:fontRef idx="minor">
+                <a:schemeClr val="tx1"/>
+              </a:fontRef>
+            </p:style>
+            <p:txBody>
+              <a:bodyPr rtlCol="0" anchor="ctr"/>
+              <a:lstStyle/>
+              <a:p>
+                <a:pPr algn="ctr"/>
+                <a:endParaRPr lang="en-US"/>
+              </a:p>
+            </p:txBody>
+          </p:sp>
+          <p:cxnSp>
+            <p:nvCxnSpPr>
+              <p:cNvPr id="22" name="Straight Arrow Connector 21"/>
+              <p:cNvCxnSpPr/>
+              <p:nvPr/>
+            </p:nvCxnSpPr>
+            <p:spPr>
+              <a:xfrm>
+                <a:off x="2886090" y="2148840"/>
+                <a:ext cx="502920" cy="1588"/>
+              </a:xfrm>
+              <a:prstGeom prst="straightConnector1">
+                <a:avLst/>
+              </a:prstGeom>
+              <a:ln w="6350">
+                <a:solidFill>
+                  <a:schemeClr val="tx1">
+                    <a:lumMod val="65000"/>
+                    <a:lumOff val="35000"/>
+                  </a:schemeClr>
+                </a:solidFill>
+                <a:headEnd type="triangle"/>
+                <a:tailEnd type="triangle"/>
+              </a:ln>
+            </p:spPr>
+            <p:style>
+              <a:lnRef idx="1">
+                <a:schemeClr val="accent1"/>
+              </a:lnRef>
+              <a:fillRef idx="0">
+                <a:schemeClr val="accent1"/>
+              </a:fillRef>
+              <a:effectRef idx="0">
+                <a:schemeClr val="accent1"/>
+              </a:effectRef>
+              <a:fontRef idx="minor">
+                <a:schemeClr val="tx1"/>
+              </a:fontRef>
+            </p:style>
+          </p:cxnSp>
+          <p:cxnSp>
+            <p:nvCxnSpPr>
+              <p:cNvPr id="23" name="Straight Arrow Connector 22"/>
+              <p:cNvCxnSpPr/>
+              <p:nvPr/>
+            </p:nvCxnSpPr>
+            <p:spPr>
+              <a:xfrm>
+                <a:off x="4623450" y="2148840"/>
+                <a:ext cx="1005840" cy="1588"/>
+              </a:xfrm>
+              <a:prstGeom prst="straightConnector1">
+                <a:avLst/>
+              </a:prstGeom>
+              <a:ln w="6350">
+                <a:solidFill>
+                  <a:schemeClr val="tx1">
+                    <a:lumMod val="65000"/>
+                    <a:lumOff val="35000"/>
+                  </a:schemeClr>
+                </a:solidFill>
+                <a:headEnd type="triangle"/>
+                <a:tailEnd type="triangle"/>
+              </a:ln>
+            </p:spPr>
+            <p:style>
+              <a:lnRef idx="1">
+                <a:schemeClr val="accent1"/>
+              </a:lnRef>
+              <a:fillRef idx="0">
+                <a:schemeClr val="accent1"/>
+              </a:fillRef>
+              <a:effectRef idx="0">
+                <a:schemeClr val="accent1"/>
+              </a:effectRef>
+              <a:fontRef idx="minor">
+                <a:schemeClr val="tx1"/>
+              </a:fontRef>
+            </p:style>
+          </p:cxnSp>
+          <p:sp>
+            <p:nvSpPr>
+              <p:cNvPr id="29" name="TextBox 28"/>
+              <p:cNvSpPr txBox="1"/>
+              <p:nvPr/>
+            </p:nvSpPr>
+            <p:spPr>
+              <a:xfrm>
+                <a:off x="3045155" y="1859288"/>
+                <a:ext cx="182880" cy="369332"/>
+              </a:xfrm>
+              <a:prstGeom prst="rect">
+                <a:avLst/>
+              </a:prstGeom>
+              <a:noFill/>
+            </p:spPr>
+            <p:txBody>
+              <a:bodyPr wrap="square" rtlCol="0">
+                <a:spAutoFit/>
+              </a:bodyPr>
+              <a:lstStyle/>
+              <a:p>
+                <a:r>
+                  <a:rPr lang="en-US" dirty="0" smtClean="0"/>
+                  <a:t>a</a:t>
+                </a:r>
+                <a:endParaRPr lang="en-US" dirty="0"/>
+              </a:p>
+            </p:txBody>
+          </p:sp>
+          <p:sp>
+            <p:nvSpPr>
+              <p:cNvPr id="42" name="TextBox 41"/>
+              <p:cNvSpPr txBox="1"/>
+              <p:nvPr/>
+            </p:nvSpPr>
+            <p:spPr>
+              <a:xfrm>
+                <a:off x="4943490" y="1864994"/>
+                <a:ext cx="548640" cy="369332"/>
+              </a:xfrm>
+              <a:prstGeom prst="rect">
+                <a:avLst/>
+              </a:prstGeom>
+              <a:noFill/>
+            </p:spPr>
+            <p:txBody>
+              <a:bodyPr wrap="square" rtlCol="0">
+                <a:spAutoFit/>
+              </a:bodyPr>
+              <a:lstStyle/>
+              <a:p>
+                <a:r>
+                  <a:rPr lang="en-US" dirty="0" smtClean="0"/>
+                  <a:t>2a</a:t>
+                </a:r>
+                <a:endParaRPr lang="en-US" dirty="0"/>
+              </a:p>
+            </p:txBody>
+          </p:sp>
+          <p:sp>
+            <p:nvSpPr>
+              <p:cNvPr id="44" name="TextBox 43"/>
+              <p:cNvSpPr txBox="1"/>
+              <p:nvPr/>
+            </p:nvSpPr>
+            <p:spPr>
+              <a:xfrm>
+                <a:off x="1188720" y="1005840"/>
+                <a:ext cx="594360" cy="338554"/>
+              </a:xfrm>
+              <a:prstGeom prst="rect">
+                <a:avLst/>
+              </a:prstGeom>
+              <a:noFill/>
+            </p:spPr>
+            <p:txBody>
+              <a:bodyPr wrap="square" rtlCol="0">
+                <a:spAutoFit/>
+              </a:bodyPr>
+              <a:lstStyle/>
+              <a:p>
+                <a:r>
+                  <a:rPr lang="en-US" sz="1600" dirty="0" smtClean="0"/>
+                  <a:t>t=0</a:t>
+                </a:r>
+                <a:endParaRPr lang="en-US" sz="1600" dirty="0"/>
+              </a:p>
+            </p:txBody>
+          </p:sp>
+          <p:sp>
+            <p:nvSpPr>
+              <p:cNvPr id="45" name="TextBox 44"/>
+              <p:cNvSpPr txBox="1"/>
+              <p:nvPr/>
+            </p:nvSpPr>
+            <p:spPr>
+              <a:xfrm>
+                <a:off x="3154680" y="960120"/>
+                <a:ext cx="960120" cy="369332"/>
+              </a:xfrm>
+              <a:prstGeom prst="rect">
+                <a:avLst/>
+              </a:prstGeom>
+              <a:noFill/>
+            </p:spPr>
+            <p:txBody>
+              <a:bodyPr wrap="square" rtlCol="0">
+                <a:spAutoFit/>
+              </a:bodyPr>
+              <a:lstStyle/>
+              <a:p>
+                <a:r>
+                  <a:rPr lang="en-US" dirty="0" smtClean="0"/>
+                  <a:t>t=T/4</a:t>
+                </a:r>
+                <a:endParaRPr lang="en-US" dirty="0"/>
+              </a:p>
+            </p:txBody>
+          </p:sp>
+          <p:sp>
+            <p:nvSpPr>
+              <p:cNvPr id="46" name="TextBox 45"/>
+              <p:cNvSpPr txBox="1"/>
+              <p:nvPr/>
+            </p:nvSpPr>
+            <p:spPr>
+              <a:xfrm>
+                <a:off x="5120640" y="914400"/>
+                <a:ext cx="960120" cy="369332"/>
+              </a:xfrm>
+              <a:prstGeom prst="rect">
+                <a:avLst/>
+              </a:prstGeom>
+              <a:noFill/>
+            </p:spPr>
+            <p:txBody>
+              <a:bodyPr wrap="square" rtlCol="0">
+                <a:spAutoFit/>
+              </a:bodyPr>
+              <a:lstStyle/>
+              <a:p>
+                <a:r>
+                  <a:rPr lang="en-US" dirty="0" smtClean="0"/>
+                  <a:t>t=T/2</a:t>
+                </a:r>
+                <a:endParaRPr lang="en-US" dirty="0"/>
+              </a:p>
+            </p:txBody>
+          </p:sp>
+          <p:sp>
+            <p:nvSpPr>
+              <p:cNvPr id="61" name="TextBox 60"/>
+              <p:cNvSpPr txBox="1"/>
+              <p:nvPr/>
+            </p:nvSpPr>
+            <p:spPr>
+              <a:xfrm>
+                <a:off x="1188720" y="2834640"/>
+                <a:ext cx="594360" cy="338554"/>
+              </a:xfrm>
+              <a:prstGeom prst="rect">
+                <a:avLst/>
+              </a:prstGeom>
+              <a:noFill/>
+            </p:spPr>
+            <p:txBody>
+              <a:bodyPr wrap="square" rtlCol="0">
+                <a:spAutoFit/>
+              </a:bodyPr>
+              <a:lstStyle/>
+              <a:p>
+                <a:r>
+                  <a:rPr lang="en-US" sz="1600" dirty="0" smtClean="0"/>
+                  <a:t>t=T</a:t>
+                </a:r>
+                <a:endParaRPr lang="en-US" sz="1600" dirty="0"/>
+              </a:p>
+            </p:txBody>
+          </p:sp>
+          <p:sp>
+            <p:nvSpPr>
+              <p:cNvPr id="62" name="TextBox 61"/>
+              <p:cNvSpPr txBox="1"/>
+              <p:nvPr/>
+            </p:nvSpPr>
+            <p:spPr>
+              <a:xfrm>
+                <a:off x="3108960" y="2788920"/>
+                <a:ext cx="960120" cy="338554"/>
+              </a:xfrm>
+              <a:prstGeom prst="rect">
+                <a:avLst/>
+              </a:prstGeom>
+              <a:noFill/>
+            </p:spPr>
+            <p:txBody>
+              <a:bodyPr wrap="square" rtlCol="0">
+                <a:spAutoFit/>
+              </a:bodyPr>
+              <a:lstStyle/>
+              <a:p>
+                <a:r>
+                  <a:rPr lang="en-US" sz="1600" dirty="0" smtClean="0"/>
+                  <a:t>t=3T/4</a:t>
+                </a:r>
+                <a:endParaRPr lang="en-US" sz="1600" dirty="0"/>
+              </a:p>
+            </p:txBody>
+          </p:sp>
+          <p:sp>
+            <p:nvSpPr>
+              <p:cNvPr id="63" name="TextBox 62"/>
+              <p:cNvSpPr txBox="1"/>
+              <p:nvPr/>
+            </p:nvSpPr>
+            <p:spPr>
+              <a:xfrm>
+                <a:off x="5029200" y="2743200"/>
+                <a:ext cx="960120" cy="338554"/>
+              </a:xfrm>
+              <a:prstGeom prst="rect">
+                <a:avLst/>
+              </a:prstGeom>
+              <a:noFill/>
+            </p:spPr>
+            <p:txBody>
+              <a:bodyPr wrap="square" rtlCol="0">
+                <a:spAutoFit/>
+              </a:bodyPr>
+              <a:lstStyle/>
+              <a:p>
+                <a:r>
+                  <a:rPr lang="en-US" sz="1600" dirty="0" smtClean="0"/>
+                  <a:t>t=T/2</a:t>
+                </a:r>
+                <a:endParaRPr lang="en-US" sz="1600" dirty="0"/>
+              </a:p>
+            </p:txBody>
+          </p:sp>
+          <p:sp>
+            <p:nvSpPr>
+              <p:cNvPr id="66" name="TextBox 65"/>
+              <p:cNvSpPr txBox="1"/>
+              <p:nvPr/>
+            </p:nvSpPr>
+            <p:spPr>
+              <a:xfrm>
+                <a:off x="640080" y="3977640"/>
+                <a:ext cx="868680" cy="338554"/>
+              </a:xfrm>
+              <a:prstGeom prst="rect">
+                <a:avLst/>
+              </a:prstGeom>
+              <a:noFill/>
+            </p:spPr>
+            <p:txBody>
+              <a:bodyPr wrap="square" rtlCol="0">
+                <a:spAutoFit/>
+              </a:bodyPr>
+              <a:lstStyle/>
+              <a:p>
+                <a:r>
+                  <a:rPr lang="en-US" sz="1600" dirty="0" smtClean="0"/>
+                  <a:t>x=0</a:t>
+                </a:r>
+                <a:endParaRPr lang="en-US" sz="1600" dirty="0"/>
+              </a:p>
+            </p:txBody>
+          </p:sp>
+          <p:grpSp>
+            <p:nvGrpSpPr>
+              <p:cNvPr id="78" name="Group 77"/>
+              <p:cNvGrpSpPr/>
+              <p:nvPr/>
+            </p:nvGrpSpPr>
+            <p:grpSpPr>
+              <a:xfrm>
+                <a:off x="2926080" y="548640"/>
+                <a:ext cx="1325880" cy="320040"/>
+                <a:chOff x="2926080" y="548640"/>
+                <a:chExt cx="1325880" cy="320040"/>
+              </a:xfrm>
+            </p:grpSpPr>
+            <p:sp>
+              <p:nvSpPr>
+                <p:cNvPr id="19" name="Right Arrow 18"/>
+                <p:cNvSpPr/>
+                <p:nvPr/>
+              </p:nvSpPr>
+              <p:spPr>
+                <a:xfrm>
+                  <a:off x="2926080" y="548640"/>
+                  <a:ext cx="1325880" cy="137160"/>
+                </a:xfrm>
+                <a:prstGeom prst="rightArrow">
+                  <a:avLst/>
+                </a:prstGeom>
+                <a:solidFill>
+                  <a:schemeClr val="tx1">
+                    <a:lumMod val="65000"/>
+                    <a:lumOff val="35000"/>
+                  </a:schemeClr>
+                </a:solidFill>
+                <a:ln>
+                  <a:solidFill>
+                    <a:schemeClr val="tx1">
+                      <a:lumMod val="65000"/>
+                      <a:lumOff val="35000"/>
+                    </a:schemeClr>
+                  </a:solidFill>
+                </a:ln>
+              </p:spPr>
+              <p:style>
+                <a:lnRef idx="2">
+                  <a:schemeClr val="accent1">
+                    <a:shade val="50000"/>
+                  </a:schemeClr>
+                </a:lnRef>
+                <a:fillRef idx="1">
+                  <a:schemeClr val="accent1"/>
+                </a:fillRef>
+                <a:effectRef idx="0">
+                  <a:schemeClr val="accent1"/>
+                </a:effectRef>
+                <a:fontRef idx="minor">
+                  <a:schemeClr val="lt1"/>
+                </a:fontRef>
+              </p:style>
+              <p:txBody>
+                <a:bodyPr rtlCol="0" anchor="ctr"/>
+                <a:lstStyle/>
+                <a:p>
+                  <a:pPr algn="ctr"/>
+                  <a:endParaRPr lang="en-US"/>
+                </a:p>
+              </p:txBody>
+            </p:sp>
+            <p:sp>
+              <p:nvSpPr>
+                <p:cNvPr id="56" name="Right Arrow 55"/>
+                <p:cNvSpPr/>
+                <p:nvPr/>
+              </p:nvSpPr>
+              <p:spPr>
+                <a:xfrm>
+                  <a:off x="2926080" y="731520"/>
+                  <a:ext cx="1325880" cy="137160"/>
+                </a:xfrm>
+                <a:prstGeom prst="rightArrow">
+                  <a:avLst/>
+                </a:prstGeom>
+                <a:solidFill>
+                  <a:schemeClr val="bg1"/>
+                </a:solidFill>
+                <a:scene3d>
+                  <a:camera prst="orthographicFront">
+                    <a:rot lat="0" lon="10800000" rev="0"/>
+                  </a:camera>
+                  <a:lightRig rig="threePt" dir="t"/>
+                </a:scene3d>
+              </p:spPr>
+              <p:style>
+                <a:lnRef idx="2">
+                  <a:schemeClr val="accent1">
+                    <a:shade val="50000"/>
+                  </a:schemeClr>
+                </a:lnRef>
+                <a:fillRef idx="1">
+                  <a:schemeClr val="accent1"/>
+                </a:fillRef>
+                <a:effectRef idx="0">
+                  <a:schemeClr val="accent1"/>
+                </a:effectRef>
+                <a:fontRef idx="minor">
+                  <a:schemeClr val="lt1"/>
+                </a:fontRef>
+              </p:style>
+              <p:txBody>
+                <a:bodyPr rtlCol="0" anchor="ctr"/>
+                <a:lstStyle/>
+                <a:p>
+                  <a:pPr algn="ctr"/>
+                  <a:endParaRPr lang="en-US">
+                    <a:solidFill>
+                      <a:schemeClr val="tx1"/>
+                    </a:solidFill>
+                  </a:endParaRPr>
+                </a:p>
+              </p:txBody>
+            </p:sp>
+          </p:grpSp>
+        </p:grpSp>
+        <p:grpSp>
+          <p:nvGrpSpPr>
+            <p:cNvPr id="83" name="Group 82"/>
+            <p:cNvGrpSpPr/>
+            <p:nvPr/>
+          </p:nvGrpSpPr>
+          <p:grpSpPr>
+            <a:xfrm>
+              <a:off x="914400" y="2571756"/>
+              <a:ext cx="5721524" cy="1801594"/>
+              <a:chOff x="914400" y="2514600"/>
+              <a:chExt cx="5721524" cy="1801594"/>
+            </a:xfrm>
+          </p:grpSpPr>
+          <p:cxnSp>
+            <p:nvCxnSpPr>
+              <p:cNvPr id="49" name="Straight Arrow Connector 48"/>
+              <p:cNvCxnSpPr/>
+              <p:nvPr/>
+            </p:nvCxnSpPr>
+            <p:spPr>
+              <a:xfrm rot="5400000" flipH="1" flipV="1">
+                <a:off x="371490" y="3383280"/>
+                <a:ext cx="1098074" cy="794"/>
+              </a:xfrm>
+              <a:prstGeom prst="straightConnector1">
+                <a:avLst/>
+              </a:prstGeom>
+              <a:ln>
+                <a:tailEnd type="arrow"/>
+              </a:ln>
+            </p:spPr>
+            <p:style>
+              <a:lnRef idx="1">
+                <a:schemeClr val="accent1"/>
+              </a:lnRef>
+              <a:fillRef idx="0">
+                <a:schemeClr val="accent1"/>
+              </a:fillRef>
+              <a:effectRef idx="0">
+                <a:schemeClr val="accent1"/>
+              </a:effectRef>
+              <a:fontRef idx="minor">
+                <a:schemeClr val="tx1"/>
+              </a:fontRef>
+            </p:style>
+          </p:cxnSp>
+          <p:cxnSp>
+            <p:nvCxnSpPr>
+              <p:cNvPr id="50" name="Straight Arrow Connector 49"/>
+              <p:cNvCxnSpPr/>
+              <p:nvPr/>
+            </p:nvCxnSpPr>
+            <p:spPr>
+              <a:xfrm>
+                <a:off x="920924" y="3931920"/>
+                <a:ext cx="5715000" cy="1588"/>
+              </a:xfrm>
+              <a:prstGeom prst="straightConnector1">
+                <a:avLst/>
+              </a:prstGeom>
+              <a:ln>
+                <a:tailEnd type="arrow"/>
+              </a:ln>
+            </p:spPr>
+            <p:style>
+              <a:lnRef idx="1">
+                <a:schemeClr val="accent1"/>
+              </a:lnRef>
+              <a:fillRef idx="0">
+                <a:schemeClr val="accent1"/>
+              </a:fillRef>
+              <a:effectRef idx="0">
+                <a:schemeClr val="accent1"/>
+              </a:effectRef>
+              <a:fontRef idx="minor">
+                <a:schemeClr val="tx1"/>
+              </a:fontRef>
+            </p:style>
+          </p:cxnSp>
+          <p:sp>
+            <p:nvSpPr>
+              <p:cNvPr id="51" name="Freeform 50"/>
+              <p:cNvSpPr/>
+              <p:nvPr/>
+            </p:nvSpPr>
+            <p:spPr>
+              <a:xfrm>
+                <a:off x="920924" y="3291839"/>
+                <a:ext cx="1005840" cy="640081"/>
+              </a:xfrm>
+              <a:custGeom>
+                <a:avLst/>
+                <a:gdLst>
+                  <a:gd name="connsiteX0" fmla="*/ 0 w 1841500"/>
+                  <a:gd name="connsiteY0" fmla="*/ 922867 h 935567"/>
+                  <a:gd name="connsiteX1" fmla="*/ 914400 w 1841500"/>
+                  <a:gd name="connsiteY1" fmla="*/ 2117 h 935567"/>
+                  <a:gd name="connsiteX2" fmla="*/ 1841500 w 1841500"/>
+                  <a:gd name="connsiteY2" fmla="*/ 935567 h 935567"/>
+                </a:gdLst>
+                <a:ahLst/>
+                <a:cxnLst>
+                  <a:cxn ang="0">
+                    <a:pos x="connsiteX0" y="connsiteY0"/>
+                  </a:cxn>
+                  <a:cxn ang="0">
+                    <a:pos x="connsiteX1" y="connsiteY1"/>
+                  </a:cxn>
+                  <a:cxn ang="0">
+                    <a:pos x="connsiteX2" y="connsiteY2"/>
+                  </a:cxn>
+                </a:cxnLst>
+                <a:rect l="l" t="t" r="r" b="b"/>
+                <a:pathLst>
+                  <a:path w="1841500" h="935567">
+                    <a:moveTo>
+                      <a:pt x="0" y="922867"/>
+                    </a:moveTo>
+                    <a:cubicBezTo>
+                      <a:pt x="303741" y="461433"/>
+                      <a:pt x="607483" y="0"/>
+                      <a:pt x="914400" y="2117"/>
+                    </a:cubicBezTo>
+                    <a:cubicBezTo>
+                      <a:pt x="1221317" y="4234"/>
+                      <a:pt x="1670050" y="719667"/>
+                      <a:pt x="1841500" y="935567"/>
+                    </a:cubicBezTo>
+                  </a:path>
+                </a:pathLst>
+              </a:custGeom>
+            </p:spPr>
+            <p:style>
+              <a:lnRef idx="1">
+                <a:schemeClr val="accent1"/>
+              </a:lnRef>
+              <a:fillRef idx="0">
+                <a:schemeClr val="accent1"/>
+              </a:fillRef>
+              <a:effectRef idx="0">
+                <a:schemeClr val="accent1"/>
+              </a:effectRef>
+              <a:fontRef idx="minor">
+                <a:schemeClr val="tx1"/>
+              </a:fontRef>
+            </p:style>
+            <p:txBody>
+              <a:bodyPr rtlCol="0" anchor="ctr"/>
+              <a:lstStyle/>
+              <a:p>
+                <a:pPr algn="ctr"/>
+                <a:endParaRPr lang="en-US"/>
+              </a:p>
+            </p:txBody>
+          </p:sp>
+          <p:sp>
+            <p:nvSpPr>
+              <p:cNvPr id="52" name="Freeform 51"/>
+              <p:cNvSpPr/>
+              <p:nvPr/>
+            </p:nvSpPr>
+            <p:spPr>
+              <a:xfrm>
+                <a:off x="3298364" y="3017520"/>
+                <a:ext cx="1005840" cy="914400"/>
+              </a:xfrm>
+              <a:custGeom>
+                <a:avLst/>
+                <a:gdLst>
+                  <a:gd name="connsiteX0" fmla="*/ 0 w 1841500"/>
+                  <a:gd name="connsiteY0" fmla="*/ 922867 h 935567"/>
+                  <a:gd name="connsiteX1" fmla="*/ 914400 w 1841500"/>
+                  <a:gd name="connsiteY1" fmla="*/ 2117 h 935567"/>
+                  <a:gd name="connsiteX2" fmla="*/ 1841500 w 1841500"/>
+                  <a:gd name="connsiteY2" fmla="*/ 935567 h 935567"/>
+                </a:gdLst>
+                <a:ahLst/>
+                <a:cxnLst>
+                  <a:cxn ang="0">
+                    <a:pos x="connsiteX0" y="connsiteY0"/>
+                  </a:cxn>
+                  <a:cxn ang="0">
+                    <a:pos x="connsiteX1" y="connsiteY1"/>
+                  </a:cxn>
+                  <a:cxn ang="0">
+                    <a:pos x="connsiteX2" y="connsiteY2"/>
+                  </a:cxn>
+                </a:cxnLst>
+                <a:rect l="l" t="t" r="r" b="b"/>
+                <a:pathLst>
+                  <a:path w="1841500" h="935567">
+                    <a:moveTo>
+                      <a:pt x="0" y="922867"/>
+                    </a:moveTo>
+                    <a:cubicBezTo>
+                      <a:pt x="303741" y="461433"/>
+                      <a:pt x="607483" y="0"/>
+                      <a:pt x="914400" y="2117"/>
+                    </a:cubicBezTo>
+                    <a:cubicBezTo>
+                      <a:pt x="1221317" y="4234"/>
+                      <a:pt x="1670050" y="719667"/>
+                      <a:pt x="1841500" y="935567"/>
+                    </a:cubicBezTo>
+                  </a:path>
+                </a:pathLst>
+              </a:custGeom>
+              <a:ln w="12700">
+                <a:solidFill>
+                  <a:schemeClr val="tx1">
+                    <a:lumMod val="95000"/>
+                    <a:lumOff val="5000"/>
+                  </a:schemeClr>
+                </a:solidFill>
+                <a:prstDash val="dash"/>
+              </a:ln>
+            </p:spPr>
+            <p:style>
+              <a:lnRef idx="1">
+                <a:schemeClr val="accent1"/>
+              </a:lnRef>
+              <a:fillRef idx="0">
+                <a:schemeClr val="accent1"/>
+              </a:fillRef>
+              <a:effectRef idx="0">
+                <a:schemeClr val="accent1"/>
+              </a:effectRef>
+              <a:fontRef idx="minor">
+                <a:schemeClr val="tx1"/>
+              </a:fontRef>
+            </p:style>
+            <p:txBody>
+              <a:bodyPr rtlCol="0" anchor="ctr"/>
+              <a:lstStyle/>
+              <a:p>
+                <a:pPr algn="ctr"/>
+                <a:endParaRPr lang="en-US"/>
+              </a:p>
+            </p:txBody>
+          </p:sp>
+          <p:sp>
+            <p:nvSpPr>
+              <p:cNvPr id="53" name="Freeform 52"/>
+              <p:cNvSpPr/>
+              <p:nvPr/>
+            </p:nvSpPr>
+            <p:spPr>
+              <a:xfrm>
+                <a:off x="2795444" y="3017520"/>
+                <a:ext cx="1005840" cy="914400"/>
+              </a:xfrm>
+              <a:custGeom>
+                <a:avLst/>
+                <a:gdLst>
+                  <a:gd name="connsiteX0" fmla="*/ 0 w 1841500"/>
+                  <a:gd name="connsiteY0" fmla="*/ 922867 h 935567"/>
+                  <a:gd name="connsiteX1" fmla="*/ 914400 w 1841500"/>
+                  <a:gd name="connsiteY1" fmla="*/ 2117 h 935567"/>
+                  <a:gd name="connsiteX2" fmla="*/ 1841500 w 1841500"/>
+                  <a:gd name="connsiteY2" fmla="*/ 935567 h 935567"/>
+                </a:gdLst>
+                <a:ahLst/>
+                <a:cxnLst>
+                  <a:cxn ang="0">
+                    <a:pos x="connsiteX0" y="connsiteY0"/>
+                  </a:cxn>
+                  <a:cxn ang="0">
+                    <a:pos x="connsiteX1" y="connsiteY1"/>
+                  </a:cxn>
+                  <a:cxn ang="0">
+                    <a:pos x="connsiteX2" y="connsiteY2"/>
+                  </a:cxn>
+                </a:cxnLst>
+                <a:rect l="l" t="t" r="r" b="b"/>
+                <a:pathLst>
+                  <a:path w="1841500" h="935567">
+                    <a:moveTo>
+                      <a:pt x="0" y="922867"/>
+                    </a:moveTo>
+                    <a:cubicBezTo>
+                      <a:pt x="303741" y="461433"/>
+                      <a:pt x="607483" y="0"/>
+                      <a:pt x="914400" y="2117"/>
+                    </a:cubicBezTo>
+                    <a:cubicBezTo>
+                      <a:pt x="1221317" y="4234"/>
+                      <a:pt x="1670050" y="719667"/>
+                      <a:pt x="1841500" y="935567"/>
+                    </a:cubicBezTo>
+                  </a:path>
+                </a:pathLst>
+              </a:custGeom>
+            </p:spPr>
+            <p:style>
+              <a:lnRef idx="1">
+                <a:schemeClr val="accent1"/>
+              </a:lnRef>
+              <a:fillRef idx="0">
+                <a:schemeClr val="accent1"/>
+              </a:fillRef>
+              <a:effectRef idx="0">
+                <a:schemeClr val="accent1"/>
+              </a:effectRef>
+              <a:fontRef idx="minor">
+                <a:schemeClr val="tx1"/>
+              </a:fontRef>
+            </p:style>
+            <p:txBody>
+              <a:bodyPr rtlCol="0" anchor="ctr"/>
+              <a:lstStyle/>
+              <a:p>
+                <a:pPr algn="ctr"/>
+                <a:endParaRPr lang="en-US"/>
+              </a:p>
+            </p:txBody>
+          </p:sp>
+          <p:sp>
+            <p:nvSpPr>
+              <p:cNvPr id="54" name="Freeform 53"/>
+              <p:cNvSpPr/>
+              <p:nvPr/>
+            </p:nvSpPr>
+            <p:spPr>
+              <a:xfrm>
+                <a:off x="5492924" y="2926080"/>
+                <a:ext cx="1005840" cy="1005840"/>
+              </a:xfrm>
+              <a:custGeom>
+                <a:avLst/>
+                <a:gdLst>
+                  <a:gd name="connsiteX0" fmla="*/ 0 w 1841500"/>
+                  <a:gd name="connsiteY0" fmla="*/ 922867 h 935567"/>
+                  <a:gd name="connsiteX1" fmla="*/ 914400 w 1841500"/>
+                  <a:gd name="connsiteY1" fmla="*/ 2117 h 935567"/>
+                  <a:gd name="connsiteX2" fmla="*/ 1841500 w 1841500"/>
+                  <a:gd name="connsiteY2" fmla="*/ 935567 h 935567"/>
+                </a:gdLst>
+                <a:ahLst/>
+                <a:cxnLst>
+                  <a:cxn ang="0">
+                    <a:pos x="connsiteX0" y="connsiteY0"/>
+                  </a:cxn>
+                  <a:cxn ang="0">
+                    <a:pos x="connsiteX1" y="connsiteY1"/>
+                  </a:cxn>
+                  <a:cxn ang="0">
+                    <a:pos x="connsiteX2" y="connsiteY2"/>
+                  </a:cxn>
+                </a:cxnLst>
+                <a:rect l="l" t="t" r="r" b="b"/>
+                <a:pathLst>
+                  <a:path w="1841500" h="935567">
+                    <a:moveTo>
+                      <a:pt x="0" y="922867"/>
+                    </a:moveTo>
+                    <a:cubicBezTo>
+                      <a:pt x="303741" y="461433"/>
+                      <a:pt x="607483" y="0"/>
+                      <a:pt x="914400" y="2117"/>
+                    </a:cubicBezTo>
+                    <a:cubicBezTo>
+                      <a:pt x="1221317" y="4234"/>
+                      <a:pt x="1670050" y="719667"/>
+                      <a:pt x="1841500" y="935567"/>
+                    </a:cubicBezTo>
+                  </a:path>
+                </a:pathLst>
+              </a:custGeom>
+              <a:ln w="12700">
+                <a:solidFill>
+                  <a:schemeClr val="tx1">
+                    <a:lumMod val="95000"/>
+                    <a:lumOff val="5000"/>
+                  </a:schemeClr>
+                </a:solidFill>
+                <a:prstDash val="dash"/>
+              </a:ln>
+            </p:spPr>
+            <p:style>
+              <a:lnRef idx="1">
+                <a:schemeClr val="accent1"/>
+              </a:lnRef>
+              <a:fillRef idx="0">
+                <a:schemeClr val="accent1"/>
+              </a:fillRef>
+              <a:effectRef idx="0">
+                <a:schemeClr val="accent1"/>
+              </a:effectRef>
+              <a:fontRef idx="minor">
+                <a:schemeClr val="tx1"/>
+              </a:fontRef>
+            </p:style>
+            <p:txBody>
+              <a:bodyPr rtlCol="0" anchor="ctr"/>
+              <a:lstStyle/>
+              <a:p>
+                <a:pPr algn="ctr"/>
+                <a:endParaRPr lang="en-US"/>
+              </a:p>
+            </p:txBody>
+          </p:sp>
+          <p:sp>
+            <p:nvSpPr>
+              <p:cNvPr id="55" name="Freeform 54"/>
+              <p:cNvSpPr/>
+              <p:nvPr/>
+            </p:nvSpPr>
+            <p:spPr>
+              <a:xfrm>
+                <a:off x="4487084" y="2880360"/>
+                <a:ext cx="1005840" cy="1051560"/>
+              </a:xfrm>
+              <a:custGeom>
+                <a:avLst/>
+                <a:gdLst>
+                  <a:gd name="connsiteX0" fmla="*/ 0 w 1841500"/>
+                  <a:gd name="connsiteY0" fmla="*/ 922867 h 935567"/>
+                  <a:gd name="connsiteX1" fmla="*/ 914400 w 1841500"/>
+                  <a:gd name="connsiteY1" fmla="*/ 2117 h 935567"/>
+                  <a:gd name="connsiteX2" fmla="*/ 1841500 w 1841500"/>
+                  <a:gd name="connsiteY2" fmla="*/ 935567 h 935567"/>
+                </a:gdLst>
+                <a:ahLst/>
+                <a:cxnLst>
+                  <a:cxn ang="0">
+                    <a:pos x="connsiteX0" y="connsiteY0"/>
+                  </a:cxn>
+                  <a:cxn ang="0">
+                    <a:pos x="connsiteX1" y="connsiteY1"/>
+                  </a:cxn>
+                  <a:cxn ang="0">
+                    <a:pos x="connsiteX2" y="connsiteY2"/>
+                  </a:cxn>
+                </a:cxnLst>
+                <a:rect l="l" t="t" r="r" b="b"/>
+                <a:pathLst>
+                  <a:path w="1841500" h="935567">
+                    <a:moveTo>
+                      <a:pt x="0" y="922867"/>
+                    </a:moveTo>
+                    <a:cubicBezTo>
+                      <a:pt x="303741" y="461433"/>
+                      <a:pt x="607483" y="0"/>
+                      <a:pt x="914400" y="2117"/>
+                    </a:cubicBezTo>
+                    <a:cubicBezTo>
+                      <a:pt x="1221317" y="4234"/>
+                      <a:pt x="1670050" y="719667"/>
+                      <a:pt x="1841500" y="935567"/>
+                    </a:cubicBezTo>
+                  </a:path>
+                </a:pathLst>
+              </a:custGeom>
+            </p:spPr>
+            <p:style>
+              <a:lnRef idx="1">
+                <a:schemeClr val="accent1"/>
+              </a:lnRef>
+              <a:fillRef idx="0">
+                <a:schemeClr val="accent1"/>
+              </a:fillRef>
+              <a:effectRef idx="0">
+                <a:schemeClr val="accent1"/>
+              </a:effectRef>
+              <a:fontRef idx="minor">
+                <a:schemeClr val="tx1"/>
+              </a:fontRef>
+            </p:style>
+            <p:txBody>
+              <a:bodyPr rtlCol="0" anchor="ctr"/>
+              <a:lstStyle/>
+              <a:p>
+                <a:pPr algn="ctr"/>
+                <a:endParaRPr lang="en-US"/>
+              </a:p>
+            </p:txBody>
+          </p:sp>
+          <p:cxnSp>
+            <p:nvCxnSpPr>
+              <p:cNvPr id="57" name="Straight Arrow Connector 56"/>
+              <p:cNvCxnSpPr/>
+              <p:nvPr/>
+            </p:nvCxnSpPr>
+            <p:spPr>
+              <a:xfrm>
+                <a:off x="2932604" y="3566160"/>
+                <a:ext cx="502920" cy="1588"/>
+              </a:xfrm>
+              <a:prstGeom prst="straightConnector1">
+                <a:avLst/>
+              </a:prstGeom>
+              <a:ln w="6350">
+                <a:solidFill>
+                  <a:schemeClr val="tx1">
+                    <a:lumMod val="65000"/>
+                    <a:lumOff val="35000"/>
+                  </a:schemeClr>
+                </a:solidFill>
+                <a:headEnd type="triangle"/>
+                <a:tailEnd type="triangle"/>
+              </a:ln>
+            </p:spPr>
+            <p:style>
+              <a:lnRef idx="1">
+                <a:schemeClr val="accent1"/>
+              </a:lnRef>
+              <a:fillRef idx="0">
+                <a:schemeClr val="accent1"/>
+              </a:fillRef>
+              <a:effectRef idx="0">
+                <a:schemeClr val="accent1"/>
+              </a:effectRef>
+              <a:fontRef idx="minor">
+                <a:schemeClr val="tx1"/>
+              </a:fontRef>
+            </p:style>
+          </p:cxnSp>
+          <p:cxnSp>
+            <p:nvCxnSpPr>
+              <p:cNvPr id="58" name="Straight Arrow Connector 57"/>
+              <p:cNvCxnSpPr/>
+              <p:nvPr/>
+            </p:nvCxnSpPr>
+            <p:spPr>
+              <a:xfrm>
+                <a:off x="4591052" y="3566160"/>
+                <a:ext cx="1005840" cy="1588"/>
+              </a:xfrm>
+              <a:prstGeom prst="straightConnector1">
+                <a:avLst/>
+              </a:prstGeom>
+              <a:ln w="6350">
+                <a:solidFill>
+                  <a:schemeClr val="tx1">
+                    <a:lumMod val="65000"/>
+                    <a:lumOff val="35000"/>
+                  </a:schemeClr>
+                </a:solidFill>
+                <a:headEnd type="triangle"/>
+                <a:tailEnd type="triangle"/>
+              </a:ln>
+            </p:spPr>
+            <p:style>
+              <a:lnRef idx="1">
+                <a:schemeClr val="accent1"/>
+              </a:lnRef>
+              <a:fillRef idx="0">
+                <a:schemeClr val="accent1"/>
+              </a:fillRef>
+              <a:effectRef idx="0">
+                <a:schemeClr val="accent1"/>
+              </a:effectRef>
+              <a:fontRef idx="minor">
+                <a:schemeClr val="tx1"/>
+              </a:fontRef>
+            </p:style>
+          </p:cxnSp>
+          <p:sp>
+            <p:nvSpPr>
+              <p:cNvPr id="59" name="TextBox 58"/>
+              <p:cNvSpPr txBox="1"/>
+              <p:nvPr/>
+            </p:nvSpPr>
+            <p:spPr>
+              <a:xfrm>
+                <a:off x="3045949" y="3276608"/>
+                <a:ext cx="182880" cy="369332"/>
+              </a:xfrm>
+              <a:prstGeom prst="rect">
+                <a:avLst/>
+              </a:prstGeom>
+              <a:noFill/>
+            </p:spPr>
+            <p:txBody>
+              <a:bodyPr wrap="square" rtlCol="0">
+                <a:spAutoFit/>
+              </a:bodyPr>
+              <a:lstStyle/>
+              <a:p>
+                <a:r>
+                  <a:rPr lang="en-US" dirty="0" smtClean="0"/>
+                  <a:t>a</a:t>
+                </a:r>
+                <a:endParaRPr lang="en-US" dirty="0"/>
+              </a:p>
+            </p:txBody>
+          </p:sp>
+          <p:sp>
+            <p:nvSpPr>
+              <p:cNvPr id="60" name="TextBox 59"/>
+              <p:cNvSpPr txBox="1"/>
+              <p:nvPr/>
+            </p:nvSpPr>
+            <p:spPr>
+              <a:xfrm>
+                <a:off x="4937760" y="3291840"/>
+                <a:ext cx="548640" cy="369332"/>
+              </a:xfrm>
+              <a:prstGeom prst="rect">
+                <a:avLst/>
+              </a:prstGeom>
+              <a:noFill/>
+            </p:spPr>
+            <p:txBody>
+              <a:bodyPr wrap="square" rtlCol="0">
+                <a:spAutoFit/>
+              </a:bodyPr>
+              <a:lstStyle/>
+              <a:p>
+                <a:r>
+                  <a:rPr lang="en-US" dirty="0" smtClean="0"/>
+                  <a:t>2a</a:t>
+                </a:r>
+                <a:endParaRPr lang="en-US" dirty="0"/>
+              </a:p>
+            </p:txBody>
+          </p:sp>
+          <p:sp>
+            <p:nvSpPr>
+              <p:cNvPr id="64" name="Freeform 63"/>
+              <p:cNvSpPr/>
+              <p:nvPr/>
+            </p:nvSpPr>
+            <p:spPr>
+              <a:xfrm>
+                <a:off x="914400" y="3291840"/>
+                <a:ext cx="1005840" cy="641966"/>
+              </a:xfrm>
+              <a:custGeom>
+                <a:avLst/>
+                <a:gdLst>
+                  <a:gd name="connsiteX0" fmla="*/ 0 w 1841500"/>
+                  <a:gd name="connsiteY0" fmla="*/ 922867 h 935567"/>
+                  <a:gd name="connsiteX1" fmla="*/ 914400 w 1841500"/>
+                  <a:gd name="connsiteY1" fmla="*/ 2117 h 935567"/>
+                  <a:gd name="connsiteX2" fmla="*/ 1841500 w 1841500"/>
+                  <a:gd name="connsiteY2" fmla="*/ 935567 h 935567"/>
+                </a:gdLst>
+                <a:ahLst/>
+                <a:cxnLst>
+                  <a:cxn ang="0">
+                    <a:pos x="connsiteX0" y="connsiteY0"/>
+                  </a:cxn>
+                  <a:cxn ang="0">
+                    <a:pos x="connsiteX1" y="connsiteY1"/>
+                  </a:cxn>
+                  <a:cxn ang="0">
+                    <a:pos x="connsiteX2" y="connsiteY2"/>
+                  </a:cxn>
+                </a:cxnLst>
+                <a:rect l="l" t="t" r="r" b="b"/>
+                <a:pathLst>
+                  <a:path w="1841500" h="935567">
+                    <a:moveTo>
+                      <a:pt x="0" y="922867"/>
+                    </a:moveTo>
+                    <a:cubicBezTo>
+                      <a:pt x="303741" y="461433"/>
+                      <a:pt x="607483" y="0"/>
+                      <a:pt x="914400" y="2117"/>
+                    </a:cubicBezTo>
+                    <a:cubicBezTo>
+                      <a:pt x="1221317" y="4234"/>
+                      <a:pt x="1670050" y="719667"/>
+                      <a:pt x="1841500" y="935567"/>
+                    </a:cubicBezTo>
+                  </a:path>
+                </a:pathLst>
+              </a:custGeom>
+              <a:ln w="12700">
+                <a:solidFill>
+                  <a:schemeClr val="tx1">
+                    <a:lumMod val="95000"/>
+                    <a:lumOff val="5000"/>
+                  </a:schemeClr>
+                </a:solidFill>
+                <a:prstDash val="dash"/>
+              </a:ln>
+            </p:spPr>
+            <p:style>
+              <a:lnRef idx="1">
+                <a:schemeClr val="accent1"/>
+              </a:lnRef>
+              <a:fillRef idx="0">
+                <a:schemeClr val="accent1"/>
+              </a:fillRef>
+              <a:effectRef idx="0">
+                <a:schemeClr val="accent1"/>
+              </a:effectRef>
+              <a:fontRef idx="minor">
+                <a:schemeClr val="tx1"/>
+              </a:fontRef>
+            </p:style>
+            <p:txBody>
+              <a:bodyPr rtlCol="0" anchor="ctr"/>
+              <a:lstStyle/>
+              <a:p>
+                <a:pPr algn="ctr"/>
+                <a:endParaRPr lang="en-US"/>
+              </a:p>
+            </p:txBody>
+          </p:sp>
+          <p:sp>
+            <p:nvSpPr>
+              <p:cNvPr id="67" name="TextBox 66"/>
+              <p:cNvSpPr txBox="1"/>
+              <p:nvPr/>
+            </p:nvSpPr>
+            <p:spPr>
+              <a:xfrm>
+                <a:off x="2976563" y="3946209"/>
+                <a:ext cx="868680" cy="338554"/>
+              </a:xfrm>
+              <a:prstGeom prst="rect">
+                <a:avLst/>
+              </a:prstGeom>
+              <a:noFill/>
+            </p:spPr>
+            <p:txBody>
+              <a:bodyPr wrap="square" rtlCol="0">
+                <a:spAutoFit/>
+              </a:bodyPr>
+              <a:lstStyle/>
+              <a:p>
+                <a:r>
+                  <a:rPr lang="en-US" sz="1600" dirty="0" smtClean="0"/>
+                  <a:t>x=L/2</a:t>
+                </a:r>
+                <a:endParaRPr lang="en-US" sz="1600" dirty="0"/>
+              </a:p>
+            </p:txBody>
+          </p:sp>
+          <p:sp>
+            <p:nvSpPr>
+              <p:cNvPr id="68" name="TextBox 67"/>
+              <p:cNvSpPr txBox="1"/>
+              <p:nvPr/>
+            </p:nvSpPr>
+            <p:spPr>
+              <a:xfrm>
+                <a:off x="5235895" y="3977640"/>
+                <a:ext cx="868680" cy="338554"/>
+              </a:xfrm>
+              <a:prstGeom prst="rect">
+                <a:avLst/>
+              </a:prstGeom>
+              <a:noFill/>
+            </p:spPr>
+            <p:txBody>
+              <a:bodyPr wrap="square" rtlCol="0">
+                <a:spAutoFit/>
+              </a:bodyPr>
+              <a:lstStyle/>
+              <a:p>
+                <a:r>
+                  <a:rPr lang="en-US" sz="1600" dirty="0" smtClean="0"/>
+                  <a:t>x=L</a:t>
+                </a:r>
+                <a:endParaRPr lang="en-US" sz="1600" dirty="0"/>
+              </a:p>
+            </p:txBody>
+          </p:sp>
+          <p:cxnSp>
+            <p:nvCxnSpPr>
+              <p:cNvPr id="70" name="Straight Connector 69"/>
+              <p:cNvCxnSpPr/>
+              <p:nvPr/>
+            </p:nvCxnSpPr>
+            <p:spPr>
+              <a:xfrm rot="5400000">
+                <a:off x="5440680" y="3977640"/>
+                <a:ext cx="91440" cy="0"/>
+              </a:xfrm>
+              <a:prstGeom prst="line">
+                <a:avLst/>
+              </a:prstGeom>
+            </p:spPr>
+            <p:style>
+              <a:lnRef idx="1">
+                <a:schemeClr val="accent1"/>
+              </a:lnRef>
+              <a:fillRef idx="0">
+                <a:schemeClr val="accent1"/>
+              </a:fillRef>
+              <a:effectRef idx="0">
+                <a:schemeClr val="accent1"/>
+              </a:effectRef>
+              <a:fontRef idx="minor">
+                <a:schemeClr val="tx1"/>
+              </a:fontRef>
+            </p:style>
+          </p:cxnSp>
+          <p:cxnSp>
+            <p:nvCxnSpPr>
+              <p:cNvPr id="72" name="Straight Connector 71"/>
+              <p:cNvCxnSpPr/>
+              <p:nvPr/>
+            </p:nvCxnSpPr>
+            <p:spPr>
+              <a:xfrm rot="5400000">
+                <a:off x="3246120" y="3977640"/>
+                <a:ext cx="91440" cy="0"/>
+              </a:xfrm>
+              <a:prstGeom prst="line">
+                <a:avLst/>
+              </a:prstGeom>
+            </p:spPr>
+            <p:style>
+              <a:lnRef idx="1">
+                <a:schemeClr val="accent1"/>
+              </a:lnRef>
+              <a:fillRef idx="0">
+                <a:schemeClr val="accent1"/>
+              </a:fillRef>
+              <a:effectRef idx="0">
+                <a:schemeClr val="accent1"/>
+              </a:effectRef>
+              <a:fontRef idx="minor">
+                <a:schemeClr val="tx1"/>
+              </a:fontRef>
+            </p:style>
+          </p:cxnSp>
+          <p:cxnSp>
+            <p:nvCxnSpPr>
+              <p:cNvPr id="73" name="Straight Connector 72"/>
+              <p:cNvCxnSpPr/>
+              <p:nvPr/>
+            </p:nvCxnSpPr>
+            <p:spPr>
+              <a:xfrm rot="5400000">
+                <a:off x="868680" y="3977640"/>
+                <a:ext cx="91440" cy="0"/>
+              </a:xfrm>
+              <a:prstGeom prst="line">
+                <a:avLst/>
+              </a:prstGeom>
+            </p:spPr>
+            <p:style>
+              <a:lnRef idx="1">
+                <a:schemeClr val="accent1"/>
+              </a:lnRef>
+              <a:fillRef idx="0">
+                <a:schemeClr val="accent1"/>
+              </a:fillRef>
+              <a:effectRef idx="0">
+                <a:schemeClr val="accent1"/>
+              </a:effectRef>
+              <a:fontRef idx="minor">
+                <a:schemeClr val="tx1"/>
+              </a:fontRef>
+            </p:style>
+          </p:cxnSp>
+          <p:grpSp>
+            <p:nvGrpSpPr>
+              <p:cNvPr id="79" name="Group 78"/>
+              <p:cNvGrpSpPr/>
+              <p:nvPr/>
+            </p:nvGrpSpPr>
+            <p:grpSpPr>
+              <a:xfrm>
+                <a:off x="2880360" y="2514600"/>
+                <a:ext cx="1325880" cy="320040"/>
+                <a:chOff x="2926080" y="548640"/>
+                <a:chExt cx="1325880" cy="320040"/>
+              </a:xfrm>
+            </p:grpSpPr>
+            <p:sp>
+              <p:nvSpPr>
+                <p:cNvPr id="80" name="Right Arrow 79"/>
+                <p:cNvSpPr/>
+                <p:nvPr/>
+              </p:nvSpPr>
+              <p:spPr>
+                <a:xfrm>
+                  <a:off x="2926080" y="548640"/>
+                  <a:ext cx="1325880" cy="137160"/>
+                </a:xfrm>
+                <a:prstGeom prst="rightArrow">
+                  <a:avLst/>
+                </a:prstGeom>
+                <a:solidFill>
+                  <a:schemeClr val="tx1">
+                    <a:lumMod val="65000"/>
+                    <a:lumOff val="35000"/>
+                  </a:schemeClr>
+                </a:solidFill>
+                <a:ln>
+                  <a:solidFill>
+                    <a:schemeClr val="tx1">
+                      <a:lumMod val="65000"/>
+                      <a:lumOff val="35000"/>
+                    </a:schemeClr>
+                  </a:solidFill>
+                </a:ln>
+              </p:spPr>
+              <p:style>
+                <a:lnRef idx="2">
+                  <a:schemeClr val="accent1">
+                    <a:shade val="50000"/>
+                  </a:schemeClr>
+                </a:lnRef>
+                <a:fillRef idx="1">
+                  <a:schemeClr val="accent1"/>
+                </a:fillRef>
+                <a:effectRef idx="0">
+                  <a:schemeClr val="accent1"/>
+                </a:effectRef>
+                <a:fontRef idx="minor">
+                  <a:schemeClr val="lt1"/>
+                </a:fontRef>
+              </p:style>
+              <p:txBody>
+                <a:bodyPr rtlCol="0" anchor="ctr"/>
+                <a:lstStyle/>
+                <a:p>
+                  <a:pPr algn="ctr"/>
+                  <a:endParaRPr lang="en-US"/>
+                </a:p>
+              </p:txBody>
+            </p:sp>
+            <p:sp>
+              <p:nvSpPr>
+                <p:cNvPr id="81" name="Right Arrow 80"/>
+                <p:cNvSpPr/>
+                <p:nvPr/>
+              </p:nvSpPr>
+              <p:spPr>
+                <a:xfrm>
+                  <a:off x="2926080" y="731520"/>
+                  <a:ext cx="1325880" cy="137160"/>
+                </a:xfrm>
+                <a:prstGeom prst="rightArrow">
+                  <a:avLst/>
+                </a:prstGeom>
+                <a:solidFill>
+                  <a:schemeClr val="tx1">
+                    <a:lumMod val="65000"/>
+                    <a:lumOff val="35000"/>
+                  </a:schemeClr>
+                </a:solidFill>
+                <a:scene3d>
+                  <a:camera prst="orthographicFront">
+                    <a:rot lat="0" lon="10800000" rev="0"/>
+                  </a:camera>
+                  <a:lightRig rig="threePt" dir="t"/>
+                </a:scene3d>
+              </p:spPr>
+              <p:style>
+                <a:lnRef idx="2">
+                  <a:schemeClr val="accent1">
+                    <a:shade val="50000"/>
+                  </a:schemeClr>
+                </a:lnRef>
+                <a:fillRef idx="1">
+                  <a:schemeClr val="accent1"/>
+                </a:fillRef>
+                <a:effectRef idx="0">
+                  <a:schemeClr val="accent1"/>
+                </a:effectRef>
+                <a:fontRef idx="minor">
+                  <a:schemeClr val="lt1"/>
+                </a:fontRef>
+              </p:style>
+              <p:txBody>
+                <a:bodyPr rtlCol="0" anchor="ctr"/>
+                <a:lstStyle/>
+                <a:p>
+                  <a:pPr algn="ctr"/>
+                  <a:endParaRPr lang="en-US">
+                    <a:solidFill>
+                      <a:schemeClr val="tx1"/>
+                    </a:solidFill>
+                  </a:endParaRPr>
+                </a:p>
+              </p:txBody>
+            </p:sp>
+          </p:grpSp>
         </p:grpSp>
       </p:grpSp>
     </p:spTree>
